--- a/Week06/CssSelectorsAndProperties.pptx
+++ b/Week06/CssSelectorsAndProperties.pptx
@@ -214,7 +214,7 @@
           <a:p>
             <a:fld id="{19104133-B5B0-4351-8158-4F0E5EB1E2BF}" type="datetimeFigureOut">
               <a:rPr lang="en-US" smtClean="0"/>
-              <a:t>3/23/2020</a:t>
+              <a:t>3/18/2022</a:t>
             </a:fld>
             <a:endParaRPr lang="en-US"/>
           </a:p>
@@ -278,38 +278,37 @@
           <a:p>
             <a:pPr lvl="0"/>
             <a:r>
-              <a:rPr lang="en-US" smtClean="0"/>
+              <a:rPr lang="en-US"/>
               <a:t>Edit Master text styles</a:t>
             </a:r>
           </a:p>
           <a:p>
             <a:pPr lvl="1"/>
             <a:r>
-              <a:rPr lang="en-US" smtClean="0"/>
+              <a:rPr lang="en-US"/>
               <a:t>Second level</a:t>
             </a:r>
           </a:p>
           <a:p>
             <a:pPr lvl="2"/>
             <a:r>
-              <a:rPr lang="en-US" smtClean="0"/>
+              <a:rPr lang="en-US"/>
               <a:t>Third level</a:t>
             </a:r>
           </a:p>
           <a:p>
             <a:pPr lvl="3"/>
             <a:r>
-              <a:rPr lang="en-US" smtClean="0"/>
+              <a:rPr lang="en-US"/>
               <a:t>Fourth level</a:t>
             </a:r>
           </a:p>
           <a:p>
             <a:pPr lvl="4"/>
             <a:r>
-              <a:rPr lang="en-US" smtClean="0"/>
+              <a:rPr lang="en-US"/>
               <a:t>Fifth level</a:t>
             </a:r>
-            <a:endParaRPr lang="en-US"/>
           </a:p>
         </p:txBody>
       </p:sp>
@@ -527,10 +526,9 @@
           <a:lstStyle/>
           <a:p>
             <a:r>
-              <a:rPr lang="en-US" dirty="0" smtClean="0"/>
+              <a:rPr lang="en-US" dirty="0"/>
               <a:t>Explain that CSS selectors decide which parts of the HTML to style. In the examples, the styles in the brackets will apply to those elements.</a:t>
             </a:r>
-            <a:endParaRPr lang="en-US" dirty="0"/>
           </a:p>
         </p:txBody>
       </p:sp>
@@ -615,11 +613,11 @@
           <a:lstStyle/>
           <a:p>
             <a:r>
-              <a:rPr lang="en-US" dirty="0" smtClean="0"/>
+              <a:rPr lang="en-US" dirty="0"/>
               <a:t>Explain how</a:t>
             </a:r>
             <a:r>
-              <a:rPr lang="en-US" baseline="0" dirty="0" smtClean="0"/>
+              <a:rPr lang="en-US" baseline="0" dirty="0"/>
               <a:t> CSS properties determine the actual styles that are controlled by CSS</a:t>
             </a:r>
             <a:endParaRPr lang="en-US" dirty="0"/>
@@ -707,10 +705,9 @@
           <a:lstStyle/>
           <a:p>
             <a:r>
-              <a:rPr lang="en-US" dirty="0" smtClean="0"/>
+              <a:rPr lang="en-US" dirty="0"/>
               <a:t>Define what declarations are</a:t>
             </a:r>
-            <a:endParaRPr lang="en-US" dirty="0"/>
           </a:p>
         </p:txBody>
       </p:sp>
@@ -795,11 +792,11 @@
           <a:lstStyle/>
           <a:p>
             <a:r>
-              <a:rPr lang="en-US" dirty="0" smtClean="0"/>
+              <a:rPr lang="en-US" dirty="0"/>
               <a:t>Go</a:t>
             </a:r>
             <a:r>
-              <a:rPr lang="en-US" baseline="0" dirty="0" smtClean="0"/>
+              <a:rPr lang="en-US" baseline="0" dirty="0"/>
               <a:t> over the vocabulary around different parts of CSS</a:t>
             </a:r>
             <a:endParaRPr lang="en-US" dirty="0"/>
@@ -887,27 +884,27 @@
           <a:lstStyle/>
           <a:p>
             <a:r>
-              <a:rPr lang="en-US" dirty="0" smtClean="0"/>
+              <a:rPr lang="en-US" dirty="0"/>
               <a:t>For the </a:t>
             </a:r>
             <a:r>
-              <a:rPr lang="en-US" dirty="0" err="1" smtClean="0"/>
+              <a:rPr lang="en-US" dirty="0" err="1"/>
               <a:t>Repl</a:t>
             </a:r>
             <a:r>
-              <a:rPr lang="en-US" dirty="0" smtClean="0"/>
+              <a:rPr lang="en-US" dirty="0"/>
               <a:t>,</a:t>
             </a:r>
             <a:r>
-              <a:rPr lang="en-US" baseline="0" dirty="0" smtClean="0"/>
+              <a:rPr lang="en-US" baseline="0" dirty="0"/>
               <a:t> show the whole ruleset in action. Make sure to switch to the CSS file to see the CSS. Change around the selector, properties, values </a:t>
             </a:r>
             <a:r>
-              <a:rPr lang="en-US" baseline="0" dirty="0" err="1" smtClean="0"/>
+              <a:rPr lang="en-US" baseline="0" dirty="0" err="1"/>
               <a:t>etc</a:t>
             </a:r>
             <a:r>
-              <a:rPr lang="en-US" baseline="0" dirty="0" smtClean="0"/>
+              <a:rPr lang="en-US" baseline="0" dirty="0"/>
               <a:t> to show how it affects the page.</a:t>
             </a:r>
           </a:p>
@@ -1149,15 +1146,7 @@
           <a:p>
             <a:r>
               <a:rPr lang="en-US" dirty="0"/>
-              <a:t>Click to edit Master </a:t>
-            </a:r>
-            <a:r>
-              <a:rPr lang="en-US" dirty="0" smtClean="0"/>
-              <a:t>subtitle </a:t>
-            </a:r>
-            <a:r>
-              <a:rPr lang="en-US" dirty="0"/>
-              <a:t>style</a:t>
+              <a:t>Click to edit Master subtitle style</a:t>
             </a:r>
           </a:p>
         </p:txBody>
@@ -1199,7 +1188,7 @@
             <a:fld id="{1C2D31DE-C454-491C-B5C3-F097855E3DF7}" type="datetime4">
               <a:rPr lang="en-US" smtClean="0"/>
               <a:pPr/>
-              <a:t>March 23, 2020</a:t>
+              <a:t>March 18, 2022</a:t>
             </a:fld>
             <a:endParaRPr lang="en-US" dirty="0"/>
           </a:p>
@@ -4273,17 +4262,16 @@
           <a:p>
             <a:pPr lvl="0"/>
             <a:r>
-              <a:rPr lang="en-US" dirty="0" smtClean="0"/>
+              <a:rPr lang="en-US" dirty="0"/>
               <a:t>Presenter Name</a:t>
             </a:r>
             <a:br>
-              <a:rPr lang="en-US" dirty="0" smtClean="0"/>
+              <a:rPr lang="en-US" dirty="0"/>
             </a:br>
             <a:r>
-              <a:rPr lang="en-US" dirty="0" smtClean="0"/>
+              <a:rPr lang="en-US" dirty="0"/>
               <a:t>Presenter Title</a:t>
             </a:r>
-            <a:endParaRPr lang="en-US" dirty="0"/>
           </a:p>
         </p:txBody>
       </p:sp>
@@ -4300,13 +4288,6 @@
   <p:transition>
     <p:fade/>
   </p:transition>
-  <p:timing>
-    <p:tnLst>
-      <p:par>
-        <p:cTn id="1" dur="indefinite" restart="never" nodeType="tmRoot"/>
-      </p:par>
-    </p:tnLst>
-  </p:timing>
   <p:hf sldNum="0" hdr="0" ftr="0"/>
 </p:sldLayout>
 </file>
@@ -4599,7 +4580,7 @@
           <a:p>
             <a:fld id="{5958763E-B898-436D-883D-03711491D54A}" type="datetimeFigureOut">
               <a:rPr lang="en-US" smtClean="0"/>
-              <a:t>3/23/2020</a:t>
+              <a:t>3/18/2022</a:t>
             </a:fld>
             <a:endParaRPr lang="en-US"/>
           </a:p>
@@ -4672,13 +4653,6 @@
   <p:transition>
     <p:fade/>
   </p:transition>
-  <p:timing>
-    <p:tnLst>
-      <p:par>
-        <p:cTn id="1" dur="indefinite" restart="never" nodeType="tmRoot"/>
-      </p:par>
-    </p:tnLst>
-  </p:timing>
 </p:sldLayout>
 </file>
 
@@ -4727,10 +4701,9 @@
           </a:lstStyle>
           <a:p>
             <a:r>
-              <a:rPr lang="en-US" dirty="0" smtClean="0"/>
+              <a:rPr lang="en-US" dirty="0"/>
               <a:t>Click icon to add picture</a:t>
             </a:r>
-            <a:endParaRPr lang="en-US" dirty="0"/>
           </a:p>
         </p:txBody>
       </p:sp>
@@ -4800,7 +4773,7 @@
           <a:p>
             <a:fld id="{5958763E-B898-436D-883D-03711491D54A}" type="datetimeFigureOut">
               <a:rPr lang="en-US" smtClean="0"/>
-              <a:t>3/23/2020</a:t>
+              <a:t>3/18/2022</a:t>
             </a:fld>
             <a:endParaRPr lang="en-US"/>
           </a:p>
@@ -4873,13 +4846,6 @@
   <p:transition>
     <p:fade/>
   </p:transition>
-  <p:timing>
-    <p:tnLst>
-      <p:par>
-        <p:cTn id="1" dur="indefinite" restart="never" nodeType="tmRoot"/>
-      </p:par>
-    </p:tnLst>
-  </p:timing>
 </p:sldLayout>
 </file>
 
@@ -5057,7 +5023,7 @@
           <a:p>
             <a:fld id="{5958763E-B898-436D-883D-03711491D54A}" type="datetimeFigureOut">
               <a:rPr lang="en-US" smtClean="0"/>
-              <a:t>3/23/2020</a:t>
+              <a:t>3/18/2022</a:t>
             </a:fld>
             <a:endParaRPr lang="en-US"/>
           </a:p>
@@ -5130,13 +5096,6 @@
   <p:transition>
     <p:fade/>
   </p:transition>
-  <p:timing>
-    <p:tnLst>
-      <p:par>
-        <p:cTn id="1" dur="indefinite" restart="never" nodeType="tmRoot"/>
-      </p:par>
-    </p:tnLst>
-  </p:timing>
 </p:sldLayout>
 </file>
 
@@ -5412,7 +5371,7 @@
           <a:p>
             <a:fld id="{5958763E-B898-436D-883D-03711491D54A}" type="datetimeFigureOut">
               <a:rPr lang="en-US" smtClean="0"/>
-              <a:t>3/23/2020</a:t>
+              <a:t>3/18/2022</a:t>
             </a:fld>
             <a:endParaRPr lang="en-US"/>
           </a:p>
@@ -5473,13 +5432,6 @@
   <p:transition>
     <p:fade/>
   </p:transition>
-  <p:timing>
-    <p:tnLst>
-      <p:par>
-        <p:cTn id="1" dur="indefinite" restart="never" nodeType="tmRoot"/>
-      </p:par>
-    </p:tnLst>
-  </p:timing>
 </p:sldLayout>
 </file>
 
@@ -5835,7 +5787,7 @@
           <a:p>
             <a:fld id="{5958763E-B898-436D-883D-03711491D54A}" type="datetimeFigureOut">
               <a:rPr lang="en-US" smtClean="0"/>
-              <a:t>3/23/2020</a:t>
+              <a:t>3/18/2022</a:t>
             </a:fld>
             <a:endParaRPr lang="en-US"/>
           </a:p>
@@ -5896,13 +5848,6 @@
   <p:transition>
     <p:fade/>
   </p:transition>
-  <p:timing>
-    <p:tnLst>
-      <p:par>
-        <p:cTn id="1" dur="indefinite" restart="never" nodeType="tmRoot"/>
-      </p:par>
-    </p:tnLst>
-  </p:timing>
 </p:sldLayout>
 </file>
 
@@ -6343,7 +6288,7 @@
           <a:p>
             <a:fld id="{5958763E-B898-436D-883D-03711491D54A}" type="datetimeFigureOut">
               <a:rPr lang="en-US" smtClean="0"/>
-              <a:t>3/23/2020</a:t>
+              <a:t>3/18/2022</a:t>
             </a:fld>
             <a:endParaRPr lang="en-US"/>
           </a:p>
@@ -6404,13 +6349,6 @@
   <p:transition>
     <p:fade/>
   </p:transition>
-  <p:timing>
-    <p:tnLst>
-      <p:par>
-        <p:cTn id="1" dur="indefinite" restart="never" nodeType="tmRoot"/>
-      </p:par>
-    </p:tnLst>
-  </p:timing>
 </p:sldLayout>
 </file>
 
@@ -6801,7 +6739,7 @@
           <a:p>
             <a:fld id="{5958763E-B898-436D-883D-03711491D54A}" type="datetimeFigureOut">
               <a:rPr lang="en-US" smtClean="0"/>
-              <a:t>3/23/2020</a:t>
+              <a:t>3/18/2022</a:t>
             </a:fld>
             <a:endParaRPr lang="en-US"/>
           </a:p>
@@ -6862,13 +6800,6 @@
   <p:transition>
     <p:fade/>
   </p:transition>
-  <p:timing>
-    <p:tnLst>
-      <p:par>
-        <p:cTn id="1" dur="indefinite" restart="never" nodeType="tmRoot"/>
-      </p:par>
-    </p:tnLst>
-  </p:timing>
 </p:sldLayout>
 </file>
 
@@ -7419,7 +7350,7 @@
           <a:p>
             <a:fld id="{5958763E-B898-436D-883D-03711491D54A}" type="datetimeFigureOut">
               <a:rPr lang="en-US" smtClean="0"/>
-              <a:t>3/23/2020</a:t>
+              <a:t>3/18/2022</a:t>
             </a:fld>
             <a:endParaRPr lang="en-US"/>
           </a:p>
@@ -7480,13 +7411,6 @@
   <p:transition>
     <p:fade/>
   </p:transition>
-  <p:timing>
-    <p:tnLst>
-      <p:par>
-        <p:cTn id="1" dur="indefinite" restart="never" nodeType="tmRoot"/>
-      </p:par>
-    </p:tnLst>
-  </p:timing>
 </p:sldLayout>
 </file>
 
@@ -8197,7 +8121,7 @@
           <a:p>
             <a:fld id="{5958763E-B898-436D-883D-03711491D54A}" type="datetimeFigureOut">
               <a:rPr lang="en-US" smtClean="0"/>
-              <a:t>3/23/2020</a:t>
+              <a:t>3/18/2022</a:t>
             </a:fld>
             <a:endParaRPr lang="en-US"/>
           </a:p>
@@ -8258,13 +8182,6 @@
   <p:transition>
     <p:fade/>
   </p:transition>
-  <p:timing>
-    <p:tnLst>
-      <p:par>
-        <p:cTn id="1" dur="indefinite" restart="never" nodeType="tmRoot"/>
-      </p:par>
-    </p:tnLst>
-  </p:timing>
 </p:sldLayout>
 </file>
 
@@ -8308,7 +8225,7 @@
           <a:p>
             <a:fld id="{5958763E-B898-436D-883D-03711491D54A}" type="datetimeFigureOut">
               <a:rPr lang="en-US" smtClean="0"/>
-              <a:t>3/23/2020</a:t>
+              <a:t>3/18/2022</a:t>
             </a:fld>
             <a:endParaRPr lang="en-US"/>
           </a:p>
@@ -8381,13 +8298,6 @@
   <p:transition>
     <p:fade/>
   </p:transition>
-  <p:timing>
-    <p:tnLst>
-      <p:par>
-        <p:cTn id="1" dur="indefinite" restart="never" nodeType="tmRoot"/>
-      </p:par>
-    </p:tnLst>
-  </p:timing>
 </p:sldLayout>
 </file>
 
@@ -8467,7 +8377,7 @@
                 <a:spcPct val="0"/>
               </a:spcAft>
             </a:pPr>
-            <a:endParaRPr lang="en-US" sz="2400" dirty="0" err="1" smtClean="0">
+            <a:endParaRPr lang="en-US" sz="2400" dirty="0" err="1">
               <a:gradFill>
                 <a:gsLst>
                   <a:gs pos="0">
@@ -8600,15 +8510,7 @@
           <a:p>
             <a:r>
               <a:rPr lang="en-US" dirty="0"/>
-              <a:t>Click to edit Master </a:t>
-            </a:r>
-            <a:r>
-              <a:rPr lang="en-US" dirty="0" smtClean="0"/>
-              <a:t>subtitle </a:t>
-            </a:r>
-            <a:r>
-              <a:rPr lang="en-US" dirty="0"/>
-              <a:t>style</a:t>
+              <a:t>Click to edit Master subtitle style</a:t>
             </a:r>
           </a:p>
         </p:txBody>
@@ -8650,7 +8552,7 @@
             <a:fld id="{1C2D31DE-C454-491C-B5C3-F097855E3DF7}" type="datetime4">
               <a:rPr lang="en-US" smtClean="0"/>
               <a:pPr/>
-              <a:t>March 23, 2020</a:t>
+              <a:t>March 18, 2022</a:t>
             </a:fld>
             <a:endParaRPr lang="en-US" dirty="0"/>
           </a:p>
@@ -11724,17 +11626,16 @@
           <a:p>
             <a:pPr lvl="0"/>
             <a:r>
-              <a:rPr lang="en-US" dirty="0" smtClean="0"/>
+              <a:rPr lang="en-US" dirty="0"/>
               <a:t>Presenter Name</a:t>
             </a:r>
             <a:br>
-              <a:rPr lang="en-US" dirty="0" smtClean="0"/>
+              <a:rPr lang="en-US" dirty="0"/>
             </a:br>
             <a:r>
-              <a:rPr lang="en-US" dirty="0" smtClean="0"/>
+              <a:rPr lang="en-US" dirty="0"/>
               <a:t>Presenter Title</a:t>
             </a:r>
-            <a:endParaRPr lang="en-US" dirty="0"/>
           </a:p>
         </p:txBody>
       </p:sp>
@@ -11751,13 +11652,6 @@
   <p:transition>
     <p:fade/>
   </p:transition>
-  <p:timing>
-    <p:tnLst>
-      <p:par>
-        <p:cTn id="1" dur="indefinite" restart="never" nodeType="tmRoot"/>
-      </p:par>
-    </p:tnLst>
-  </p:timing>
   <p:hf sldNum="0" hdr="0" ftr="0"/>
 </p:sldLayout>
 </file>
@@ -11810,7 +11704,7 @@
           <a:p>
             <a:fld id="{5958763E-B898-436D-883D-03711491D54A}" type="datetimeFigureOut">
               <a:rPr lang="en-US" smtClean="0"/>
-              <a:t>3/23/2020</a:t>
+              <a:t>3/18/2022</a:t>
             </a:fld>
             <a:endParaRPr lang="en-US"/>
           </a:p>
@@ -11883,13 +11777,6 @@
   <p:transition>
     <p:fade/>
   </p:transition>
-  <p:timing>
-    <p:tnLst>
-      <p:par>
-        <p:cTn id="1" dur="indefinite" restart="never" nodeType="tmRoot"/>
-      </p:par>
-    </p:tnLst>
-  </p:timing>
 </p:sldLayout>
 </file>
 
@@ -11941,7 +11828,7 @@
           <a:p>
             <a:fld id="{5958763E-B898-436D-883D-03711491D54A}" type="datetimeFigureOut">
               <a:rPr lang="en-US" smtClean="0"/>
-              <a:t>3/23/2020</a:t>
+              <a:t>3/18/2022</a:t>
             </a:fld>
             <a:endParaRPr lang="en-US"/>
           </a:p>
@@ -12014,13 +11901,6 @@
   <p:transition>
     <p:fade/>
   </p:transition>
-  <p:timing>
-    <p:tnLst>
-      <p:par>
-        <p:cTn id="1" dur="indefinite" restart="never" nodeType="tmRoot"/>
-      </p:par>
-    </p:tnLst>
-  </p:timing>
 </p:sldLayout>
 </file>
 
@@ -12072,7 +11952,7 @@
           <a:p>
             <a:fld id="{5958763E-B898-436D-883D-03711491D54A}" type="datetimeFigureOut">
               <a:rPr lang="en-US" smtClean="0"/>
-              <a:t>3/23/2020</a:t>
+              <a:t>3/18/2022</a:t>
             </a:fld>
             <a:endParaRPr lang="en-US"/>
           </a:p>
@@ -12145,13 +12025,6 @@
   <p:transition>
     <p:fade/>
   </p:transition>
-  <p:timing>
-    <p:tnLst>
-      <p:par>
-        <p:cTn id="1" dur="indefinite" restart="never" nodeType="tmRoot"/>
-      </p:par>
-    </p:tnLst>
-  </p:timing>
 </p:sldLayout>
 </file>
 
@@ -12203,7 +12076,7 @@
           <a:p>
             <a:fld id="{5958763E-B898-436D-883D-03711491D54A}" type="datetimeFigureOut">
               <a:rPr lang="en-US" smtClean="0"/>
-              <a:t>3/23/2020</a:t>
+              <a:t>3/18/2022</a:t>
             </a:fld>
             <a:endParaRPr lang="en-US"/>
           </a:p>
@@ -12276,13 +12149,6 @@
   <p:transition>
     <p:fade/>
   </p:transition>
-  <p:timing>
-    <p:tnLst>
-      <p:par>
-        <p:cTn id="1" dur="indefinite" restart="never" nodeType="tmRoot"/>
-      </p:par>
-    </p:tnLst>
-  </p:timing>
 </p:sldLayout>
 </file>
 
@@ -12334,7 +12200,7 @@
           <a:p>
             <a:fld id="{5958763E-B898-436D-883D-03711491D54A}" type="datetimeFigureOut">
               <a:rPr lang="en-US" smtClean="0"/>
-              <a:t>3/23/2020</a:t>
+              <a:t>3/18/2022</a:t>
             </a:fld>
             <a:endParaRPr lang="en-US"/>
           </a:p>
@@ -12407,13 +12273,6 @@
   <p:transition>
     <p:fade/>
   </p:transition>
-  <p:timing>
-    <p:tnLst>
-      <p:par>
-        <p:cTn id="1" dur="indefinite" restart="never" nodeType="tmRoot"/>
-      </p:par>
-    </p:tnLst>
-  </p:timing>
 </p:sldLayout>
 </file>
 
@@ -12465,7 +12324,7 @@
           <a:p>
             <a:fld id="{5958763E-B898-436D-883D-03711491D54A}" type="datetimeFigureOut">
               <a:rPr lang="en-US" smtClean="0"/>
-              <a:t>3/23/2020</a:t>
+              <a:t>3/18/2022</a:t>
             </a:fld>
             <a:endParaRPr lang="en-US"/>
           </a:p>
@@ -12538,13 +12397,6 @@
   <p:transition>
     <p:fade/>
   </p:transition>
-  <p:timing>
-    <p:tnLst>
-      <p:par>
-        <p:cTn id="1" dur="indefinite" restart="never" nodeType="tmRoot"/>
-      </p:par>
-    </p:tnLst>
-  </p:timing>
 </p:sldLayout>
 </file>
 
@@ -12596,7 +12448,7 @@
           <a:p>
             <a:fld id="{5958763E-B898-436D-883D-03711491D54A}" type="datetimeFigureOut">
               <a:rPr lang="en-US" smtClean="0"/>
-              <a:t>3/23/2020</a:t>
+              <a:t>3/18/2022</a:t>
             </a:fld>
             <a:endParaRPr lang="en-US"/>
           </a:p>
@@ -12669,13 +12521,6 @@
   <p:transition>
     <p:fade/>
   </p:transition>
-  <p:timing>
-    <p:tnLst>
-      <p:par>
-        <p:cTn id="1" dur="indefinite" restart="never" nodeType="tmRoot"/>
-      </p:par>
-    </p:tnLst>
-  </p:timing>
 </p:sldLayout>
 </file>
 
@@ -12727,7 +12572,7 @@
           <a:p>
             <a:fld id="{5958763E-B898-436D-883D-03711491D54A}" type="datetimeFigureOut">
               <a:rPr lang="en-US" smtClean="0"/>
-              <a:t>3/23/2020</a:t>
+              <a:t>3/18/2022</a:t>
             </a:fld>
             <a:endParaRPr lang="en-US"/>
           </a:p>
@@ -12800,13 +12645,6 @@
   <p:transition>
     <p:fade/>
   </p:transition>
-  <p:timing>
-    <p:tnLst>
-      <p:par>
-        <p:cTn id="1" dur="indefinite" restart="never" nodeType="tmRoot"/>
-      </p:par>
-    </p:tnLst>
-  </p:timing>
 </p:sldLayout>
 </file>
 
@@ -12867,7 +12705,7 @@
           <a:p>
             <a:fld id="{5958763E-B898-436D-883D-03711491D54A}" type="datetimeFigureOut">
               <a:rPr lang="en-US" smtClean="0"/>
-              <a:t>3/23/2020</a:t>
+              <a:t>3/18/2022</a:t>
             </a:fld>
             <a:endParaRPr lang="en-US"/>
           </a:p>
@@ -12940,13 +12778,6 @@
   <p:transition>
     <p:fade/>
   </p:transition>
-  <p:timing>
-    <p:tnLst>
-      <p:par>
-        <p:cTn id="1" dur="indefinite" restart="never" nodeType="tmRoot"/>
-      </p:par>
-    </p:tnLst>
-  </p:timing>
 </p:sldLayout>
 </file>
 
@@ -15948,13 +15779,6 @@
   <p:transition>
     <p:fade/>
   </p:transition>
-  <p:timing>
-    <p:tnLst>
-      <p:par>
-        <p:cTn id="1" dur="indefinite" restart="never" nodeType="tmRoot"/>
-      </p:par>
-    </p:tnLst>
-  </p:timing>
 </p:sldLayout>
 </file>
 
@@ -16042,7 +15866,7 @@
                 <a:spcPct val="0"/>
               </a:spcAft>
             </a:pPr>
-            <a:endParaRPr lang="en-US" sz="2400" dirty="0" err="1" smtClean="0">
+            <a:endParaRPr lang="en-US" sz="2400" dirty="0" err="1">
               <a:gradFill>
                 <a:gsLst>
                   <a:gs pos="0">
@@ -16178,15 +16002,7 @@
           <a:p>
             <a:r>
               <a:rPr lang="en-US" dirty="0"/>
-              <a:t>Click to edit Master </a:t>
-            </a:r>
-            <a:r>
-              <a:rPr lang="en-US" dirty="0" smtClean="0"/>
-              <a:t>subtitle </a:t>
-            </a:r>
-            <a:r>
-              <a:rPr lang="en-US" dirty="0"/>
-              <a:t>style</a:t>
+              <a:t>Click to edit Master subtitle style</a:t>
             </a:r>
           </a:p>
         </p:txBody>
@@ -16228,7 +16044,7 @@
             <a:fld id="{1C2D31DE-C454-491C-B5C3-F097855E3DF7}" type="datetime4">
               <a:rPr lang="en-US" smtClean="0"/>
               <a:pPr/>
-              <a:t>March 23, 2020</a:t>
+              <a:t>March 18, 2022</a:t>
             </a:fld>
             <a:endParaRPr lang="en-US" dirty="0"/>
           </a:p>
@@ -19310,17 +19126,16 @@
           <a:p>
             <a:pPr lvl="0"/>
             <a:r>
-              <a:rPr lang="en-US" dirty="0" smtClean="0"/>
+              <a:rPr lang="en-US" dirty="0"/>
               <a:t>Presenter Name</a:t>
             </a:r>
             <a:br>
-              <a:rPr lang="en-US" dirty="0" smtClean="0"/>
+              <a:rPr lang="en-US" dirty="0"/>
             </a:br>
             <a:r>
-              <a:rPr lang="en-US" dirty="0" smtClean="0"/>
+              <a:rPr lang="en-US" dirty="0"/>
               <a:t>Presenter Title</a:t>
             </a:r>
-            <a:endParaRPr lang="en-US" dirty="0"/>
           </a:p>
         </p:txBody>
       </p:sp>
@@ -19337,13 +19152,6 @@
   <p:transition>
     <p:fade/>
   </p:transition>
-  <p:timing>
-    <p:tnLst>
-      <p:par>
-        <p:cTn id="1" dur="indefinite" restart="never" nodeType="tmRoot"/>
-      </p:par>
-    </p:tnLst>
-  </p:timing>
   <p:hf sldNum="0" hdr="0" ftr="0"/>
 </p:sldLayout>
 </file>
@@ -26853,10 +26661,9 @@
           <a:p>
             <a:pPr lvl="0"/>
             <a:r>
-              <a:rPr lang="en-US" dirty="0" smtClean="0"/>
+              <a:rPr lang="en-US" dirty="0"/>
               <a:t>&lt;Call to action&gt;</a:t>
             </a:r>
-            <a:endParaRPr lang="en-US" dirty="0"/>
           </a:p>
         </p:txBody>
       </p:sp>
@@ -28473,7 +28280,7 @@
           <a:p>
             <a:fld id="{5958763E-B898-436D-883D-03711491D54A}" type="datetimeFigureOut">
               <a:rPr lang="en-US" smtClean="0"/>
-              <a:t>3/23/2020</a:t>
+              <a:t>3/18/2022</a:t>
             </a:fld>
             <a:endParaRPr lang="en-US"/>
           </a:p>
@@ -28600,7 +28407,7 @@
                 <a:spcPct val="0"/>
               </a:spcAft>
             </a:pPr>
-            <a:endParaRPr lang="en-US" sz="2400" dirty="0" err="1" smtClean="0">
+            <a:endParaRPr lang="en-US" sz="2400" dirty="0" err="1">
               <a:gradFill>
                 <a:gsLst>
                   <a:gs pos="0">
@@ -28631,13 +28438,6 @@
   <p:transition>
     <p:fade/>
   </p:transition>
-  <p:timing>
-    <p:tnLst>
-      <p:par>
-        <p:cTn id="1" dur="indefinite" restart="never" nodeType="tmRoot"/>
-      </p:par>
-    </p:tnLst>
-  </p:timing>
 </p:sldLayout>
 </file>
 
@@ -28882,7 +28682,7 @@
           <a:p>
             <a:fld id="{5958763E-B898-436D-883D-03711491D54A}" type="datetimeFigureOut">
               <a:rPr lang="en-US" smtClean="0"/>
-              <a:t>3/23/2020</a:t>
+              <a:t>3/18/2022</a:t>
             </a:fld>
             <a:endParaRPr lang="en-US"/>
           </a:p>
@@ -28955,13 +28755,6 @@
   <p:transition>
     <p:fade/>
   </p:transition>
-  <p:timing>
-    <p:tnLst>
-      <p:par>
-        <p:cTn id="1" dur="indefinite" restart="never" nodeType="tmRoot"/>
-      </p:par>
-    </p:tnLst>
-  </p:timing>
 </p:sldLayout>
 </file>
 
@@ -29183,7 +28976,7 @@
           <a:p>
             <a:fld id="{5958763E-B898-436D-883D-03711491D54A}" type="datetimeFigureOut">
               <a:rPr lang="en-US" smtClean="0"/>
-              <a:t>3/23/2020</a:t>
+              <a:t>3/18/2022</a:t>
             </a:fld>
             <a:endParaRPr lang="en-US"/>
           </a:p>
@@ -29256,13 +29049,6 @@
   <p:transition>
     <p:fade/>
   </p:transition>
-  <p:timing>
-    <p:tnLst>
-      <p:par>
-        <p:cTn id="1" dur="indefinite" restart="never" nodeType="tmRoot"/>
-      </p:par>
-    </p:tnLst>
-  </p:timing>
 </p:sldLayout>
 </file>
 
@@ -29391,7 +29177,7 @@
           <a:p>
             <a:fld id="{5958763E-B898-436D-883D-03711491D54A}" type="datetimeFigureOut">
               <a:rPr lang="en-US" smtClean="0"/>
-              <a:t>3/23/2020</a:t>
+              <a:t>3/18/2022</a:t>
             </a:fld>
             <a:endParaRPr lang="en-US"/>
           </a:p>
@@ -29514,13 +29300,6 @@
   <p:transition>
     <p:fade/>
   </p:transition>
-  <p:timing>
-    <p:tnLst>
-      <p:par>
-        <p:cTn id="1" dur="indefinite" restart="never" nodeType="tmRoot"/>
-      </p:par>
-    </p:tnLst>
-  </p:timing>
 </p:sldLayout>
 </file>
 
@@ -29659,7 +29438,7 @@
           <a:p>
             <a:fld id="{5958763E-B898-436D-883D-03711491D54A}" type="datetimeFigureOut">
               <a:rPr lang="en-US" smtClean="0"/>
-              <a:t>3/23/2020</a:t>
+              <a:t>3/18/2022</a:t>
             </a:fld>
             <a:endParaRPr lang="en-US"/>
           </a:p>
@@ -29786,13 +29565,6 @@
   <p:transition>
     <p:fade/>
   </p:transition>
-  <p:timing>
-    <p:tnLst>
-      <p:par>
-        <p:cTn id="1" dur="indefinite" restart="never" nodeType="tmRoot"/>
-      </p:par>
-    </p:tnLst>
-  </p:timing>
 </p:sldLayout>
 </file>
 
@@ -29838,7 +29610,7 @@
           </a:lstStyle>
           <a:p>
             <a:r>
-              <a:rPr lang="en-US" smtClean="0"/>
+              <a:rPr lang="en-US"/>
               <a:t>Click to edit Master title style</a:t>
             </a:r>
             <a:endParaRPr lang="en-US" dirty="0"/>
@@ -29903,7 +29675,7 @@
           </a:lstStyle>
           <a:p>
             <a:r>
-              <a:rPr lang="en-US" smtClean="0"/>
+              <a:rPr lang="en-US"/>
               <a:t>Click to edit Master subtitle style</a:t>
             </a:r>
             <a:endParaRPr lang="en-US" dirty="0"/>
@@ -29927,7 +29699,7 @@
           <a:p>
             <a:fld id="{61FD5E12-641C-4696-BA65-B86205845F69}" type="datetimeFigureOut">
               <a:rPr lang="en-US" smtClean="0"/>
-              <a:t>3/23/2020</a:t>
+              <a:t>3/18/2022</a:t>
             </a:fld>
             <a:endParaRPr lang="en-US"/>
           </a:p>
@@ -30021,7 +29793,7 @@
           <a:lstStyle/>
           <a:p>
             <a:r>
-              <a:rPr lang="en-US" smtClean="0"/>
+              <a:rPr lang="en-US"/>
               <a:t>Click to edit Master title style</a:t>
             </a:r>
             <a:endParaRPr lang="en-US" dirty="0"/>
@@ -30045,35 +29817,35 @@
           <a:p>
             <a:pPr lvl="0"/>
             <a:r>
-              <a:rPr lang="en-US" smtClean="0"/>
+              <a:rPr lang="en-US"/>
               <a:t>Edit Master text styles</a:t>
             </a:r>
           </a:p>
           <a:p>
             <a:pPr lvl="1"/>
             <a:r>
-              <a:rPr lang="en-US" smtClean="0"/>
+              <a:rPr lang="en-US"/>
               <a:t>Second level</a:t>
             </a:r>
           </a:p>
           <a:p>
             <a:pPr lvl="2"/>
             <a:r>
-              <a:rPr lang="en-US" smtClean="0"/>
+              <a:rPr lang="en-US"/>
               <a:t>Third level</a:t>
             </a:r>
           </a:p>
           <a:p>
             <a:pPr lvl="3"/>
             <a:r>
-              <a:rPr lang="en-US" smtClean="0"/>
+              <a:rPr lang="en-US"/>
               <a:t>Fourth level</a:t>
             </a:r>
           </a:p>
           <a:p>
             <a:pPr lvl="4"/>
             <a:r>
-              <a:rPr lang="en-US" smtClean="0"/>
+              <a:rPr lang="en-US"/>
               <a:t>Fifth level</a:t>
             </a:r>
             <a:endParaRPr lang="en-US" dirty="0"/>
@@ -30097,7 +29869,7 @@
           <a:p>
             <a:fld id="{61FD5E12-641C-4696-BA65-B86205845F69}" type="datetimeFigureOut">
               <a:rPr lang="en-US" smtClean="0"/>
-              <a:t>3/23/2020</a:t>
+              <a:t>3/18/2022</a:t>
             </a:fld>
             <a:endParaRPr lang="en-US"/>
           </a:p>
@@ -30316,7 +30088,7 @@
                 <a:spcPct val="0"/>
               </a:spcAft>
             </a:pPr>
-            <a:endParaRPr lang="en-US" sz="2400" dirty="0" err="1" smtClean="0">
+            <a:endParaRPr lang="en-US" sz="2400" dirty="0" err="1">
               <a:gradFill>
                 <a:gsLst>
                   <a:gs pos="0">
@@ -30367,10 +30139,9 @@
           </a:lstStyle>
           <a:p>
             <a:r>
-              <a:rPr lang="en-US" dirty="0" smtClean="0"/>
+              <a:rPr lang="en-US" dirty="0"/>
               <a:t>Type “Agenda”</a:t>
             </a:r>
-            <a:endParaRPr lang="en-US" dirty="0"/>
           </a:p>
         </p:txBody>
       </p:sp>
@@ -30494,24 +30265,23 @@
           <a:p>
             <a:pPr lvl="0"/>
             <a:r>
-              <a:rPr lang="en-US" dirty="0" smtClean="0"/>
+              <a:rPr lang="en-US" dirty="0"/>
               <a:t>Item 1</a:t>
             </a:r>
           </a:p>
           <a:p>
             <a:pPr lvl="0"/>
             <a:r>
-              <a:rPr lang="en-US" dirty="0" smtClean="0"/>
+              <a:rPr lang="en-US" dirty="0"/>
               <a:t>Item 2</a:t>
             </a:r>
           </a:p>
           <a:p>
             <a:pPr lvl="0"/>
             <a:r>
-              <a:rPr lang="en-US" dirty="0" smtClean="0"/>
+              <a:rPr lang="en-US" dirty="0"/>
               <a:t>Item 3</a:t>
             </a:r>
-            <a:endParaRPr lang="en-US" dirty="0"/>
           </a:p>
         </p:txBody>
       </p:sp>
@@ -30538,7 +30308,7 @@
           <a:p>
             <a:fld id="{5958763E-B898-436D-883D-03711491D54A}" type="datetimeFigureOut">
               <a:rPr lang="en-US" smtClean="0"/>
-              <a:t>3/23/2020</a:t>
+              <a:t>3/18/2022</a:t>
             </a:fld>
             <a:endParaRPr lang="en-US"/>
           </a:p>
@@ -30645,13 +30415,6 @@
   <p:transition>
     <p:fade/>
   </p:transition>
-  <p:timing>
-    <p:tnLst>
-      <p:par>
-        <p:cTn id="1" dur="indefinite" restart="never" nodeType="tmRoot"/>
-      </p:par>
-    </p:tnLst>
-  </p:timing>
 </p:sldLayout>
 </file>
 
@@ -30697,7 +30460,7 @@
           </a:lstStyle>
           <a:p>
             <a:r>
-              <a:rPr lang="en-US" smtClean="0"/>
+              <a:rPr lang="en-US"/>
               <a:t>Click to edit Master title style</a:t>
             </a:r>
             <a:endParaRPr lang="en-US" dirty="0"/>
@@ -30817,7 +30580,7 @@
           <a:p>
             <a:pPr lvl="0"/>
             <a:r>
-              <a:rPr lang="en-US" smtClean="0"/>
+              <a:rPr lang="en-US"/>
               <a:t>Edit Master text styles</a:t>
             </a:r>
           </a:p>
@@ -30840,7 +30603,7 @@
           <a:p>
             <a:fld id="{61FD5E12-641C-4696-BA65-B86205845F69}" type="datetimeFigureOut">
               <a:rPr lang="en-US" smtClean="0"/>
-              <a:t>3/23/2020</a:t>
+              <a:t>3/18/2022</a:t>
             </a:fld>
             <a:endParaRPr lang="en-US"/>
           </a:p>
@@ -30934,7 +30697,7 @@
           <a:lstStyle/>
           <a:p>
             <a:r>
-              <a:rPr lang="en-US" smtClean="0"/>
+              <a:rPr lang="en-US"/>
               <a:t>Click to edit Master title style</a:t>
             </a:r>
             <a:endParaRPr lang="en-US" dirty="0"/>
@@ -30963,35 +30726,35 @@
           <a:p>
             <a:pPr lvl="0"/>
             <a:r>
-              <a:rPr lang="en-US" smtClean="0"/>
+              <a:rPr lang="en-US"/>
               <a:t>Edit Master text styles</a:t>
             </a:r>
           </a:p>
           <a:p>
             <a:pPr lvl="1"/>
             <a:r>
-              <a:rPr lang="en-US" smtClean="0"/>
+              <a:rPr lang="en-US"/>
               <a:t>Second level</a:t>
             </a:r>
           </a:p>
           <a:p>
             <a:pPr lvl="2"/>
             <a:r>
-              <a:rPr lang="en-US" smtClean="0"/>
+              <a:rPr lang="en-US"/>
               <a:t>Third level</a:t>
             </a:r>
           </a:p>
           <a:p>
             <a:pPr lvl="3"/>
             <a:r>
-              <a:rPr lang="en-US" smtClean="0"/>
+              <a:rPr lang="en-US"/>
               <a:t>Fourth level</a:t>
             </a:r>
           </a:p>
           <a:p>
             <a:pPr lvl="4"/>
             <a:r>
-              <a:rPr lang="en-US" smtClean="0"/>
+              <a:rPr lang="en-US"/>
               <a:t>Fifth level</a:t>
             </a:r>
             <a:endParaRPr lang="en-US" dirty="0"/>
@@ -31020,35 +30783,35 @@
           <a:p>
             <a:pPr lvl="0"/>
             <a:r>
-              <a:rPr lang="en-US" smtClean="0"/>
+              <a:rPr lang="en-US"/>
               <a:t>Edit Master text styles</a:t>
             </a:r>
           </a:p>
           <a:p>
             <a:pPr lvl="1"/>
             <a:r>
-              <a:rPr lang="en-US" smtClean="0"/>
+              <a:rPr lang="en-US"/>
               <a:t>Second level</a:t>
             </a:r>
           </a:p>
           <a:p>
             <a:pPr lvl="2"/>
             <a:r>
-              <a:rPr lang="en-US" smtClean="0"/>
+              <a:rPr lang="en-US"/>
               <a:t>Third level</a:t>
             </a:r>
           </a:p>
           <a:p>
             <a:pPr lvl="3"/>
             <a:r>
-              <a:rPr lang="en-US" smtClean="0"/>
+              <a:rPr lang="en-US"/>
               <a:t>Fourth level</a:t>
             </a:r>
           </a:p>
           <a:p>
             <a:pPr lvl="4"/>
             <a:r>
-              <a:rPr lang="en-US" smtClean="0"/>
+              <a:rPr lang="en-US"/>
               <a:t>Fifth level</a:t>
             </a:r>
             <a:endParaRPr lang="en-US" dirty="0"/>
@@ -31072,7 +30835,7 @@
           <a:p>
             <a:fld id="{61FD5E12-641C-4696-BA65-B86205845F69}" type="datetimeFigureOut">
               <a:rPr lang="en-US" smtClean="0"/>
-              <a:t>3/23/2020</a:t>
+              <a:t>3/18/2022</a:t>
             </a:fld>
             <a:endParaRPr lang="en-US"/>
           </a:p>
@@ -31171,7 +30934,7 @@
           <a:lstStyle/>
           <a:p>
             <a:r>
-              <a:rPr lang="en-US" smtClean="0"/>
+              <a:rPr lang="en-US"/>
               <a:t>Click to edit Master title style</a:t>
             </a:r>
             <a:endParaRPr lang="en-US" dirty="0"/>
@@ -31237,7 +31000,7 @@
           <a:p>
             <a:pPr lvl="0"/>
             <a:r>
-              <a:rPr lang="en-US" smtClean="0"/>
+              <a:rPr lang="en-US"/>
               <a:t>Edit Master text styles</a:t>
             </a:r>
           </a:p>
@@ -31265,35 +31028,35 @@
           <a:p>
             <a:pPr lvl="0"/>
             <a:r>
-              <a:rPr lang="en-US" smtClean="0"/>
+              <a:rPr lang="en-US"/>
               <a:t>Edit Master text styles</a:t>
             </a:r>
           </a:p>
           <a:p>
             <a:pPr lvl="1"/>
             <a:r>
-              <a:rPr lang="en-US" smtClean="0"/>
+              <a:rPr lang="en-US"/>
               <a:t>Second level</a:t>
             </a:r>
           </a:p>
           <a:p>
             <a:pPr lvl="2"/>
             <a:r>
-              <a:rPr lang="en-US" smtClean="0"/>
+              <a:rPr lang="en-US"/>
               <a:t>Third level</a:t>
             </a:r>
           </a:p>
           <a:p>
             <a:pPr lvl="3"/>
             <a:r>
-              <a:rPr lang="en-US" smtClean="0"/>
+              <a:rPr lang="en-US"/>
               <a:t>Fourth level</a:t>
             </a:r>
           </a:p>
           <a:p>
             <a:pPr lvl="4"/>
             <a:r>
-              <a:rPr lang="en-US" smtClean="0"/>
+              <a:rPr lang="en-US"/>
               <a:t>Fifth level</a:t>
             </a:r>
             <a:endParaRPr lang="en-US" dirty="0"/>
@@ -31359,7 +31122,7 @@
           <a:p>
             <a:pPr lvl="0"/>
             <a:r>
-              <a:rPr lang="en-US" smtClean="0"/>
+              <a:rPr lang="en-US"/>
               <a:t>Edit Master text styles</a:t>
             </a:r>
           </a:p>
@@ -31387,35 +31150,35 @@
           <a:p>
             <a:pPr lvl="0"/>
             <a:r>
-              <a:rPr lang="en-US" smtClean="0"/>
+              <a:rPr lang="en-US"/>
               <a:t>Edit Master text styles</a:t>
             </a:r>
           </a:p>
           <a:p>
             <a:pPr lvl="1"/>
             <a:r>
-              <a:rPr lang="en-US" smtClean="0"/>
+              <a:rPr lang="en-US"/>
               <a:t>Second level</a:t>
             </a:r>
           </a:p>
           <a:p>
             <a:pPr lvl="2"/>
             <a:r>
-              <a:rPr lang="en-US" smtClean="0"/>
+              <a:rPr lang="en-US"/>
               <a:t>Third level</a:t>
             </a:r>
           </a:p>
           <a:p>
             <a:pPr lvl="3"/>
             <a:r>
-              <a:rPr lang="en-US" smtClean="0"/>
+              <a:rPr lang="en-US"/>
               <a:t>Fourth level</a:t>
             </a:r>
           </a:p>
           <a:p>
             <a:pPr lvl="4"/>
             <a:r>
-              <a:rPr lang="en-US" smtClean="0"/>
+              <a:rPr lang="en-US"/>
               <a:t>Fifth level</a:t>
             </a:r>
             <a:endParaRPr lang="en-US" dirty="0"/>
@@ -31439,7 +31202,7 @@
           <a:p>
             <a:fld id="{61FD5E12-641C-4696-BA65-B86205845F69}" type="datetimeFigureOut">
               <a:rPr lang="en-US" smtClean="0"/>
-              <a:t>3/23/2020</a:t>
+              <a:t>3/18/2022</a:t>
             </a:fld>
             <a:endParaRPr lang="en-US"/>
           </a:p>
@@ -31533,7 +31296,7 @@
           <a:lstStyle/>
           <a:p>
             <a:r>
-              <a:rPr lang="en-US" smtClean="0"/>
+              <a:rPr lang="en-US"/>
               <a:t>Click to edit Master title style</a:t>
             </a:r>
             <a:endParaRPr lang="en-US" dirty="0"/>
@@ -31557,7 +31320,7 @@
           <a:p>
             <a:fld id="{61FD5E12-641C-4696-BA65-B86205845F69}" type="datetimeFigureOut">
               <a:rPr lang="en-US" smtClean="0"/>
-              <a:t>3/23/2020</a:t>
+              <a:t>3/18/2022</a:t>
             </a:fld>
             <a:endParaRPr lang="en-US"/>
           </a:p>
@@ -31652,7 +31415,7 @@
           <a:p>
             <a:fld id="{61FD5E12-641C-4696-BA65-B86205845F69}" type="datetimeFigureOut">
               <a:rPr lang="en-US" smtClean="0"/>
-              <a:t>3/23/2020</a:t>
+              <a:t>3/18/2022</a:t>
             </a:fld>
             <a:endParaRPr lang="en-US"/>
           </a:p>
@@ -31755,7 +31518,7 @@
           </a:lstStyle>
           <a:p>
             <a:r>
-              <a:rPr lang="en-US" smtClean="0"/>
+              <a:rPr lang="en-US"/>
               <a:t>Click to edit Master title style</a:t>
             </a:r>
             <a:endParaRPr lang="en-US" dirty="0"/>
@@ -31812,35 +31575,35 @@
           <a:p>
             <a:pPr lvl="0"/>
             <a:r>
-              <a:rPr lang="en-US" smtClean="0"/>
+              <a:rPr lang="en-US"/>
               <a:t>Edit Master text styles</a:t>
             </a:r>
           </a:p>
           <a:p>
             <a:pPr lvl="1"/>
             <a:r>
-              <a:rPr lang="en-US" smtClean="0"/>
+              <a:rPr lang="en-US"/>
               <a:t>Second level</a:t>
             </a:r>
           </a:p>
           <a:p>
             <a:pPr lvl="2"/>
             <a:r>
-              <a:rPr lang="en-US" smtClean="0"/>
+              <a:rPr lang="en-US"/>
               <a:t>Third level</a:t>
             </a:r>
           </a:p>
           <a:p>
             <a:pPr lvl="3"/>
             <a:r>
-              <a:rPr lang="en-US" smtClean="0"/>
+              <a:rPr lang="en-US"/>
               <a:t>Fourth level</a:t>
             </a:r>
           </a:p>
           <a:p>
             <a:pPr lvl="4"/>
             <a:r>
-              <a:rPr lang="en-US" smtClean="0"/>
+              <a:rPr lang="en-US"/>
               <a:t>Fifth level</a:t>
             </a:r>
             <a:endParaRPr lang="en-US" dirty="0"/>
@@ -31906,7 +31669,7 @@
           <a:p>
             <a:pPr lvl="0"/>
             <a:r>
-              <a:rPr lang="en-US" smtClean="0"/>
+              <a:rPr lang="en-US"/>
               <a:t>Edit Master text styles</a:t>
             </a:r>
           </a:p>
@@ -31929,7 +31692,7 @@
           <a:p>
             <a:fld id="{61FD5E12-641C-4696-BA65-B86205845F69}" type="datetimeFigureOut">
               <a:rPr lang="en-US" smtClean="0"/>
-              <a:t>3/23/2020</a:t>
+              <a:t>3/18/2022</a:t>
             </a:fld>
             <a:endParaRPr lang="en-US"/>
           </a:p>
@@ -32032,7 +31795,7 @@
           </a:lstStyle>
           <a:p>
             <a:r>
-              <a:rPr lang="en-US" smtClean="0"/>
+              <a:rPr lang="en-US"/>
               <a:t>Click to edit Master title style</a:t>
             </a:r>
             <a:endParaRPr lang="en-US" dirty="0"/>
@@ -32097,7 +31860,7 @@
           </a:lstStyle>
           <a:p>
             <a:r>
-              <a:rPr lang="en-US" smtClean="0"/>
+              <a:rPr lang="en-US"/>
               <a:t>Click icon to add picture</a:t>
             </a:r>
             <a:endParaRPr lang="en-US" dirty="0"/>
@@ -32163,7 +31926,7 @@
           <a:p>
             <a:pPr lvl="0"/>
             <a:r>
-              <a:rPr lang="en-US" smtClean="0"/>
+              <a:rPr lang="en-US"/>
               <a:t>Edit Master text styles</a:t>
             </a:r>
           </a:p>
@@ -32186,7 +31949,7 @@
           <a:p>
             <a:fld id="{61FD5E12-641C-4696-BA65-B86205845F69}" type="datetimeFigureOut">
               <a:rPr lang="en-US" smtClean="0"/>
-              <a:t>3/23/2020</a:t>
+              <a:t>3/18/2022</a:t>
             </a:fld>
             <a:endParaRPr lang="en-US"/>
           </a:p>
@@ -32280,7 +32043,7 @@
           <a:lstStyle/>
           <a:p>
             <a:r>
-              <a:rPr lang="en-US" smtClean="0"/>
+              <a:rPr lang="en-US"/>
               <a:t>Click to edit Master title style</a:t>
             </a:r>
             <a:endParaRPr lang="en-US" dirty="0"/>
@@ -32304,35 +32067,35 @@
           <a:p>
             <a:pPr lvl="0"/>
             <a:r>
-              <a:rPr lang="en-US" smtClean="0"/>
+              <a:rPr lang="en-US"/>
               <a:t>Edit Master text styles</a:t>
             </a:r>
           </a:p>
           <a:p>
             <a:pPr lvl="1"/>
             <a:r>
-              <a:rPr lang="en-US" smtClean="0"/>
+              <a:rPr lang="en-US"/>
               <a:t>Second level</a:t>
             </a:r>
           </a:p>
           <a:p>
             <a:pPr lvl="2"/>
             <a:r>
-              <a:rPr lang="en-US" smtClean="0"/>
+              <a:rPr lang="en-US"/>
               <a:t>Third level</a:t>
             </a:r>
           </a:p>
           <a:p>
             <a:pPr lvl="3"/>
             <a:r>
-              <a:rPr lang="en-US" smtClean="0"/>
+              <a:rPr lang="en-US"/>
               <a:t>Fourth level</a:t>
             </a:r>
           </a:p>
           <a:p>
             <a:pPr lvl="4"/>
             <a:r>
-              <a:rPr lang="en-US" smtClean="0"/>
+              <a:rPr lang="en-US"/>
               <a:t>Fifth level</a:t>
             </a:r>
             <a:endParaRPr lang="en-US" dirty="0"/>
@@ -32356,7 +32119,7 @@
           <a:p>
             <a:fld id="{61FD5E12-641C-4696-BA65-B86205845F69}" type="datetimeFigureOut">
               <a:rPr lang="en-US" smtClean="0"/>
-              <a:t>3/23/2020</a:t>
+              <a:t>3/18/2022</a:t>
             </a:fld>
             <a:endParaRPr lang="en-US"/>
           </a:p>
@@ -32455,7 +32218,7 @@
           <a:lstStyle/>
           <a:p>
             <a:r>
-              <a:rPr lang="en-US" smtClean="0"/>
+              <a:rPr lang="en-US"/>
               <a:t>Click to edit Master title style</a:t>
             </a:r>
             <a:endParaRPr lang="en-US" dirty="0"/>
@@ -32484,35 +32247,35 @@
           <a:p>
             <a:pPr lvl="0"/>
             <a:r>
-              <a:rPr lang="en-US" smtClean="0"/>
+              <a:rPr lang="en-US"/>
               <a:t>Edit Master text styles</a:t>
             </a:r>
           </a:p>
           <a:p>
             <a:pPr lvl="1"/>
             <a:r>
-              <a:rPr lang="en-US" smtClean="0"/>
+              <a:rPr lang="en-US"/>
               <a:t>Second level</a:t>
             </a:r>
           </a:p>
           <a:p>
             <a:pPr lvl="2"/>
             <a:r>
-              <a:rPr lang="en-US" smtClean="0"/>
+              <a:rPr lang="en-US"/>
               <a:t>Third level</a:t>
             </a:r>
           </a:p>
           <a:p>
             <a:pPr lvl="3"/>
             <a:r>
-              <a:rPr lang="en-US" smtClean="0"/>
+              <a:rPr lang="en-US"/>
               <a:t>Fourth level</a:t>
             </a:r>
           </a:p>
           <a:p>
             <a:pPr lvl="4"/>
             <a:r>
-              <a:rPr lang="en-US" smtClean="0"/>
+              <a:rPr lang="en-US"/>
               <a:t>Fifth level</a:t>
             </a:r>
             <a:endParaRPr lang="en-US" dirty="0"/>
@@ -32536,7 +32299,7 @@
           <a:p>
             <a:fld id="{61FD5E12-641C-4696-BA65-B86205845F69}" type="datetimeFigureOut">
               <a:rPr lang="en-US" smtClean="0"/>
-              <a:t>3/23/2020</a:t>
+              <a:t>3/18/2022</a:t>
             </a:fld>
             <a:endParaRPr lang="en-US"/>
           </a:p>
@@ -32700,10 +32463,9 @@
           <a:p>
             <a:pPr lvl="0"/>
             <a:r>
-              <a:rPr lang="en-US" dirty="0" smtClean="0"/>
+              <a:rPr lang="en-US" dirty="0"/>
               <a:t>Click to add title</a:t>
             </a:r>
-            <a:endParaRPr lang="en-US" dirty="0"/>
           </a:p>
         </p:txBody>
       </p:sp>
@@ -32765,7 +32527,7 @@
           <a:p>
             <a:pPr lvl="0"/>
             <a:r>
-              <a:rPr lang="en-US" smtClean="0"/>
+              <a:rPr lang="en-US"/>
               <a:t>Edit Master text styles</a:t>
             </a:r>
           </a:p>
@@ -32811,13 +32573,6 @@
   <p:clrMapOvr>
     <a:masterClrMapping/>
   </p:clrMapOvr>
-  <p:timing>
-    <p:tnLst>
-      <p:par>
-        <p:cTn id="1" dur="indefinite" restart="never" nodeType="tmRoot"/>
-      </p:par>
-    </p:tnLst>
-  </p:timing>
 </p:sldLayout>
 </file>
 
@@ -32979,7 +32734,7 @@
                 <a:spcPct val="0"/>
               </a:spcAft>
             </a:pPr>
-            <a:endParaRPr lang="en-US" sz="2400" dirty="0" err="1" smtClean="0">
+            <a:endParaRPr lang="en-US" sz="2400" dirty="0" err="1">
               <a:gradFill>
                 <a:gsLst>
                   <a:gs pos="0">
@@ -33032,10 +32787,9 @@
           </a:lstStyle>
           <a:p>
             <a:r>
-              <a:rPr lang="en-US" dirty="0" smtClean="0"/>
+              <a:rPr lang="en-US" dirty="0"/>
               <a:t>Notable Quote</a:t>
             </a:r>
-            <a:endParaRPr lang="en-US" dirty="0"/>
           </a:p>
         </p:txBody>
       </p:sp>
@@ -33162,10 +32916,9 @@
           <a:p>
             <a:pPr lvl="0"/>
             <a:r>
-              <a:rPr lang="en-US" dirty="0" smtClean="0"/>
+              <a:rPr lang="en-US" dirty="0"/>
               <a:t>– Attribution</a:t>
             </a:r>
-            <a:endParaRPr lang="en-US" dirty="0"/>
           </a:p>
         </p:txBody>
       </p:sp>
@@ -33192,7 +32945,7 @@
           <a:p>
             <a:fld id="{5958763E-B898-436D-883D-03711491D54A}" type="datetimeFigureOut">
               <a:rPr lang="en-US" smtClean="0"/>
-              <a:t>3/23/2020</a:t>
+              <a:t>3/18/2022</a:t>
             </a:fld>
             <a:endParaRPr lang="en-US"/>
           </a:p>
@@ -33940,13 +33693,6 @@
   <p:transition>
     <p:fade/>
   </p:transition>
-  <p:timing>
-    <p:tnLst>
-      <p:par>
-        <p:cTn id="1" dur="indefinite" restart="never" nodeType="tmRoot"/>
-      </p:par>
-    </p:tnLst>
-  </p:timing>
 </p:sldLayout>
 </file>
 
@@ -34007,14 +33753,14 @@
           </a:lstStyle>
           <a:p>
             <a:r>
-              <a:rPr lang="en-US" sz="6600" dirty="0" smtClean="0">
+              <a:rPr lang="en-US" sz="6600" dirty="0">
                 <a:solidFill>
                   <a:schemeClr val="tx2"/>
                 </a:solidFill>
               </a:rPr>
               <a:t>Agenda</a:t>
             </a:r>
-            <a:endParaRPr lang="en-US" sz="5400" dirty="0" smtClean="0">
+            <a:endParaRPr lang="en-US" sz="5400" dirty="0">
               <a:solidFill>
                 <a:schemeClr val="tx2"/>
               </a:solidFill>
@@ -34060,21 +33806,21 @@
           <a:p>
             <a:pPr lvl="0"/>
             <a:r>
-              <a:rPr lang="en-US" dirty="0" smtClean="0"/>
+              <a:rPr lang="en-US" dirty="0"/>
               <a:t>Section 1</a:t>
             </a:r>
           </a:p>
           <a:p>
             <a:pPr lvl="0"/>
             <a:r>
-              <a:rPr lang="en-US" dirty="0" smtClean="0"/>
+              <a:rPr lang="en-US" dirty="0"/>
               <a:t>Section 2</a:t>
             </a:r>
           </a:p>
           <a:p>
             <a:pPr lvl="0"/>
             <a:r>
-              <a:rPr lang="en-US" dirty="0" smtClean="0"/>
+              <a:rPr lang="en-US" dirty="0"/>
               <a:t>Section 3</a:t>
             </a:r>
           </a:p>
@@ -34125,13 +33871,6 @@
   <p:clrMapOvr>
     <a:masterClrMapping/>
   </p:clrMapOvr>
-  <p:timing>
-    <p:tnLst>
-      <p:par>
-        <p:cTn id="1" dur="indefinite" restart="never" nodeType="tmRoot"/>
-      </p:par>
-    </p:tnLst>
-  </p:timing>
 </p:sldLayout>
 </file>
 
@@ -34237,7 +33976,7 @@
           </a:lstStyle>
           <a:p>
             <a:r>
-              <a:rPr lang="en-US" smtClean="0"/>
+              <a:rPr lang="en-US"/>
               <a:t>Click to edit Master title style</a:t>
             </a:r>
             <a:endParaRPr lang="en-US" dirty="0"/>
@@ -34254,13 +33993,6 @@
   <p:clrMapOvr>
     <a:masterClrMapping/>
   </p:clrMapOvr>
-  <p:timing>
-    <p:tnLst>
-      <p:par>
-        <p:cTn id="1" dur="indefinite" restart="never" nodeType="tmRoot"/>
-      </p:par>
-    </p:tnLst>
-  </p:timing>
 </p:sldLayout>
 </file>
 
@@ -34399,7 +34131,7 @@
           <a:p>
             <a:pPr lvl="0"/>
             <a:r>
-              <a:rPr lang="en-US" smtClean="0"/>
+              <a:rPr lang="en-US"/>
               <a:t>Edit Master text styles</a:t>
             </a:r>
           </a:p>
@@ -34470,35 +34202,35 @@
           <a:p>
             <a:pPr lvl="0"/>
             <a:r>
-              <a:rPr lang="en-US" smtClean="0"/>
+              <a:rPr lang="en-US"/>
               <a:t>Edit Master text styles</a:t>
             </a:r>
           </a:p>
           <a:p>
             <a:pPr lvl="1"/>
             <a:r>
-              <a:rPr lang="en-US" smtClean="0"/>
+              <a:rPr lang="en-US"/>
               <a:t>Second level</a:t>
             </a:r>
           </a:p>
           <a:p>
             <a:pPr lvl="2"/>
             <a:r>
-              <a:rPr lang="en-US" smtClean="0"/>
+              <a:rPr lang="en-US"/>
               <a:t>Third level</a:t>
             </a:r>
           </a:p>
           <a:p>
             <a:pPr lvl="3"/>
             <a:r>
-              <a:rPr lang="en-US" smtClean="0"/>
+              <a:rPr lang="en-US"/>
               <a:t>Fourth level</a:t>
             </a:r>
           </a:p>
           <a:p>
             <a:pPr lvl="4"/>
             <a:r>
-              <a:rPr lang="en-US" smtClean="0"/>
+              <a:rPr lang="en-US"/>
               <a:t>Fifth level</a:t>
             </a:r>
             <a:endParaRPr lang="en-US" dirty="0"/>
@@ -34515,14 +34247,7 @@
   <p:clrMapOvr>
     <a:masterClrMapping/>
   </p:clrMapOvr>
-  <p:timing>
-    <p:tnLst>
-      <p:par>
-        <p:cTn id="1" dur="indefinite" restart="never" nodeType="tmRoot"/>
-      </p:par>
-    </p:tnLst>
-  </p:timing>
-  <p:extLst mod="1">
+  <p:extLst>
     <p:ext uri="{DCECCB84-F9BA-43D5-87BE-67443E8EF086}">
       <p15:sldGuideLst xmlns:p15="http://schemas.microsoft.com/office/powerpoint/2012/main">
         <p15:guide id="1" orient="horz" pos="2160">
@@ -34609,7 +34334,7 @@
           <a:p>
             <a:fld id="{5958763E-B898-436D-883D-03711491D54A}" type="datetimeFigureOut">
               <a:rPr lang="en-US" smtClean="0"/>
-              <a:t>3/23/2020</a:t>
+              <a:t>3/18/2022</a:t>
             </a:fld>
             <a:endParaRPr lang="en-US"/>
           </a:p>
@@ -34682,13 +34407,6 @@
   <p:transition>
     <p:fade/>
   </p:transition>
-  <p:timing>
-    <p:tnLst>
-      <p:par>
-        <p:cTn id="1" dur="indefinite" restart="never" nodeType="tmRoot"/>
-      </p:par>
-    </p:tnLst>
-  </p:timing>
 </p:sldLayout>
 </file>
 
@@ -34817,7 +34535,7 @@
           <a:p>
             <a:fld id="{5958763E-B898-436D-883D-03711491D54A}" type="datetimeFigureOut">
               <a:rPr lang="en-US" smtClean="0"/>
-              <a:t>3/23/2020</a:t>
+              <a:t>3/18/2022</a:t>
             </a:fld>
             <a:endParaRPr lang="en-US"/>
           </a:p>
@@ -34940,13 +34658,6 @@
   <p:transition>
     <p:fade/>
   </p:transition>
-  <p:timing>
-    <p:tnLst>
-      <p:par>
-        <p:cTn id="1" dur="indefinite" restart="never" nodeType="tmRoot"/>
-      </p:par>
-    </p:tnLst>
-  </p:timing>
 </p:sldLayout>
 </file>
 
@@ -35159,7 +34870,7 @@
           <a:p>
             <a:fld id="{5958763E-B898-436D-883D-03711491D54A}" type="datetimeFigureOut">
               <a:rPr lang="en-US" smtClean="0"/>
-              <a:t>3/23/2020</a:t>
+              <a:t>3/18/2022</a:t>
             </a:fld>
             <a:endParaRPr lang="en-US"/>
           </a:p>
@@ -35232,13 +34943,6 @@
   <p:transition>
     <p:fade/>
   </p:transition>
-  <p:timing>
-    <p:tnLst>
-      <p:par>
-        <p:cTn id="1" dur="indefinite" restart="never" nodeType="tmRoot"/>
-      </p:par>
-    </p:tnLst>
-  </p:timing>
 </p:sldLayout>
 </file>
 
@@ -35396,7 +35100,7 @@
           <a:p>
             <a:fld id="{5958763E-B898-436D-883D-03711491D54A}" type="datetimeFigureOut">
               <a:rPr lang="en-US" smtClean="0"/>
-              <a:t>3/23/2020</a:t>
+              <a:t>3/18/2022</a:t>
             </a:fld>
             <a:endParaRPr lang="en-US"/>
           </a:p>
@@ -35469,13 +35173,6 @@
   <p:transition>
     <p:fade/>
   </p:transition>
-  <p:timing>
-    <p:tnLst>
-      <p:par>
-        <p:cTn id="1" dur="indefinite" restart="never" nodeType="tmRoot"/>
-      </p:par>
-    </p:tnLst>
-  </p:timing>
 </p:sldLayout>
 </file>
 
@@ -35647,7 +35344,7 @@
           <a:p>
             <a:fld id="{5958763E-B898-436D-883D-03711491D54A}" type="datetimeFigureOut">
               <a:rPr lang="en-US" smtClean="0"/>
-              <a:t>3/23/2020</a:t>
+              <a:t>3/18/2022</a:t>
             </a:fld>
             <a:endParaRPr lang="en-US"/>
           </a:p>
@@ -35793,13 +35490,6 @@
   <p:transition>
     <p:fade/>
   </p:transition>
-  <p:timing>
-    <p:tnLst>
-      <p:par>
-        <p:cTn id="1" dur="indefinite" restart="never" nodeType="tmRoot"/>
-      </p:par>
-    </p:tnLst>
-  </p:timing>
   <p:txStyles>
     <p:titleStyle>
       <a:lvl1pPr algn="l" defTabSz="914400" rtl="0" eaLnBrk="1" latinLnBrk="0" hangingPunct="1">
@@ -36104,7 +35794,7 @@
       </a:lvl9pPr>
     </p:otherStyle>
   </p:txStyles>
-  <p:extLst mod="1">
+  <p:extLst>
     <p:ext uri="{27BBF7A9-308A-43DC-89C8-2F10F3537804}">
       <p15:sldGuideLst xmlns:p15="http://schemas.microsoft.com/office/powerpoint/2012/main">
         <p15:guide id="1" orient="horz" pos="2160" userDrawn="1">
@@ -36191,7 +35881,7 @@
           <a:lstStyle/>
           <a:p>
             <a:r>
-              <a:rPr lang="en-US" smtClean="0"/>
+              <a:rPr lang="en-US"/>
               <a:t>Click to edit Master title style</a:t>
             </a:r>
             <a:endParaRPr lang="en-US" dirty="0"/>
@@ -36225,35 +35915,35 @@
           <a:p>
             <a:pPr lvl="0"/>
             <a:r>
-              <a:rPr lang="en-US" smtClean="0"/>
+              <a:rPr lang="en-US"/>
               <a:t>Edit Master text styles</a:t>
             </a:r>
           </a:p>
           <a:p>
             <a:pPr lvl="1"/>
             <a:r>
-              <a:rPr lang="en-US" smtClean="0"/>
+              <a:rPr lang="en-US"/>
               <a:t>Second level</a:t>
             </a:r>
           </a:p>
           <a:p>
             <a:pPr lvl="2"/>
             <a:r>
-              <a:rPr lang="en-US" smtClean="0"/>
+              <a:rPr lang="en-US"/>
               <a:t>Third level</a:t>
             </a:r>
           </a:p>
           <a:p>
             <a:pPr lvl="3"/>
             <a:r>
-              <a:rPr lang="en-US" smtClean="0"/>
+              <a:rPr lang="en-US"/>
               <a:t>Fourth level</a:t>
             </a:r>
           </a:p>
           <a:p>
             <a:pPr lvl="4"/>
             <a:r>
-              <a:rPr lang="en-US" smtClean="0"/>
+              <a:rPr lang="en-US"/>
               <a:t>Fifth level</a:t>
             </a:r>
             <a:endParaRPr lang="en-US" dirty="0"/>
@@ -36295,7 +35985,7 @@
           <a:p>
             <a:fld id="{61FD5E12-641C-4696-BA65-B86205845F69}" type="datetimeFigureOut">
               <a:rPr lang="en-US" smtClean="0"/>
-              <a:t>3/23/2020</a:t>
+              <a:t>3/18/2022</a:t>
             </a:fld>
             <a:endParaRPr lang="en-US"/>
           </a:p>
@@ -36727,11 +36417,11 @@
           <a:lstStyle/>
           <a:p>
             <a:r>
-              <a:rPr lang="en-US" sz="6600" dirty="0" smtClean="0"/>
+              <a:rPr lang="en-US" sz="6600" dirty="0"/>
               <a:t>CSS Selectors </a:t>
             </a:r>
             <a:r>
-              <a:rPr lang="en-US" sz="6600" smtClean="0"/>
+              <a:rPr lang="en-US" sz="6600"/>
               <a:t>&amp; Properties</a:t>
             </a:r>
             <a:endParaRPr lang="en-US" sz="6600" dirty="0"/>
@@ -36759,10 +36449,9 @@
           <a:lstStyle/>
           <a:p>
             <a:r>
-              <a:rPr lang="en-US" dirty="0" smtClean="0"/>
+              <a:rPr lang="en-US" dirty="0"/>
               <a:t>Hy-Tech Club: Web 101</a:t>
             </a:r>
-            <a:endParaRPr lang="en-US" dirty="0"/>
           </a:p>
         </p:txBody>
       </p:sp>
@@ -39747,13 +39436,6 @@
   <p:transition>
     <p:fade/>
   </p:transition>
-  <p:timing>
-    <p:tnLst>
-      <p:par>
-        <p:cTn id="1" dur="indefinite" restart="never" nodeType="tmRoot"/>
-      </p:par>
-    </p:tnLst>
-  </p:timing>
 </p:sld>
 </file>
 
@@ -39834,29 +39516,7 @@
                 </a:solidFill>
                 <a:latin typeface="Consolas" panose="020B0609020204030204" pitchFamily="49" charset="0"/>
               </a:rPr>
-              <a:t>/* applies to all </a:t>
-            </a:r>
-            <a:r>
-              <a:rPr lang="en-US" sz="3200" dirty="0" smtClean="0">
-                <a:solidFill>
-                  <a:schemeClr val="accent2">
-                    <a:lumMod val="75000"/>
-                  </a:schemeClr>
-                </a:solidFill>
-                <a:latin typeface="Consolas" panose="020B0609020204030204" pitchFamily="49" charset="0"/>
-              </a:rPr>
-              <a:t>anchor elements </a:t>
-            </a:r>
-            <a:r>
-              <a:rPr lang="en-US" sz="3200" dirty="0">
-                <a:solidFill>
-                  <a:schemeClr val="accent2">
-                    <a:lumMod val="75000"/>
-                  </a:schemeClr>
-                </a:solidFill>
-                <a:latin typeface="Consolas" panose="020B0609020204030204" pitchFamily="49" charset="0"/>
-              </a:rPr>
-              <a:t>*/</a:t>
+              <a:t>/* applies to all anchor elements */</a:t>
             </a:r>
           </a:p>
           <a:p>
@@ -39917,29 +39577,7 @@
                 </a:solidFill>
                 <a:latin typeface="Consolas" panose="020B0609020204030204" pitchFamily="49" charset="0"/>
               </a:rPr>
-              <a:t>/* applies to all list </a:t>
-            </a:r>
-            <a:r>
-              <a:rPr lang="en-US" sz="3200" dirty="0" smtClean="0">
-                <a:solidFill>
-                  <a:schemeClr val="accent2">
-                    <a:lumMod val="75000"/>
-                  </a:schemeClr>
-                </a:solidFill>
-                <a:latin typeface="Consolas" panose="020B0609020204030204" pitchFamily="49" charset="0"/>
-              </a:rPr>
-              <a:t>item elements </a:t>
-            </a:r>
-            <a:r>
-              <a:rPr lang="en-US" sz="3200" dirty="0">
-                <a:solidFill>
-                  <a:schemeClr val="accent2">
-                    <a:lumMod val="75000"/>
-                  </a:schemeClr>
-                </a:solidFill>
-                <a:latin typeface="Consolas" panose="020B0609020204030204" pitchFamily="49" charset="0"/>
-              </a:rPr>
-              <a:t>*/</a:t>
+              <a:t>/* applies to all list item elements */</a:t>
             </a:r>
           </a:p>
           <a:p>
@@ -39962,7 +39600,7 @@
                 <a:spcPts val="600"/>
               </a:spcAft>
             </a:pPr>
-            <a:endParaRPr lang="en-US" sz="2400" dirty="0" err="1" smtClean="0">
+            <a:endParaRPr lang="en-US" sz="2400" dirty="0" err="1">
               <a:gradFill>
                 <a:gsLst>
                   <a:gs pos="2917">
@@ -39994,10 +39632,9 @@
           <a:lstStyle/>
           <a:p>
             <a:r>
-              <a:rPr lang="en-US" dirty="0" smtClean="0"/>
+              <a:rPr lang="en-US" dirty="0"/>
               <a:t>CSS Selectors</a:t>
             </a:r>
-            <a:endParaRPr lang="en-US" dirty="0"/>
           </a:p>
         </p:txBody>
       </p:sp>
@@ -40024,18 +39661,18 @@
           <a:lstStyle/>
           <a:p>
             <a:r>
-              <a:rPr lang="en-US" dirty="0" smtClean="0"/>
+              <a:rPr lang="en-US" dirty="0"/>
               <a:t>CSS applies to different parts of the HTML based on </a:t>
             </a:r>
             <a:r>
-              <a:rPr lang="en-US" b="1" dirty="0" smtClean="0"/>
+              <a:rPr lang="en-US" b="1" dirty="0"/>
               <a:t>selectors</a:t>
             </a:r>
-            <a:endParaRPr lang="en-US" dirty="0" smtClean="0"/>
+            <a:endParaRPr lang="en-US" dirty="0"/>
           </a:p>
           <a:p>
             <a:r>
-              <a:rPr lang="en-US" dirty="0" smtClean="0"/>
+              <a:rPr lang="en-US" dirty="0"/>
               <a:t>Basic selectors apply certain styles to all elements of a certain type</a:t>
             </a:r>
           </a:p>
@@ -40465,10 +40102,9 @@
           <a:lstStyle/>
           <a:p>
             <a:r>
-              <a:rPr lang="en-US" dirty="0" smtClean="0"/>
+              <a:rPr lang="en-US" dirty="0"/>
               <a:t>CSS Properties</a:t>
             </a:r>
-            <a:endParaRPr lang="en-US" dirty="0"/>
           </a:p>
         </p:txBody>
       </p:sp>
@@ -40495,36 +40131,28 @@
           <a:lstStyle/>
           <a:p>
             <a:r>
-              <a:rPr lang="en-US" dirty="0" smtClean="0"/>
+              <a:rPr lang="en-US" dirty="0"/>
               <a:t>A CSS </a:t>
             </a:r>
             <a:r>
-              <a:rPr lang="en-US" b="1" dirty="0" smtClean="0"/>
+              <a:rPr lang="en-US" b="1" dirty="0"/>
               <a:t>property</a:t>
             </a:r>
             <a:r>
-              <a:rPr lang="en-US" dirty="0" smtClean="0"/>
-              <a:t> </a:t>
+              <a:rPr lang="en-US" dirty="0"/>
+              <a:t> is an identifier that indicates which stylistic features to change on an </a:t>
             </a:r>
             <a:r>
-              <a:rPr lang="en-US" dirty="0"/>
-              <a:t>is an identifier that indicates which stylistic features to </a:t>
-            </a:r>
-            <a:r>
-              <a:rPr lang="en-US" dirty="0" smtClean="0"/>
-              <a:t>change on an </a:t>
-            </a:r>
-            <a:r>
-              <a:rPr lang="en-US" smtClean="0"/>
+              <a:rPr lang="en-US"/>
               <a:t>HTML element</a:t>
             </a:r>
           </a:p>
           <a:p>
-            <a:endParaRPr lang="en-US" dirty="0" smtClean="0"/>
+            <a:endParaRPr lang="en-US" dirty="0"/>
           </a:p>
           <a:p>
             <a:r>
-              <a:rPr lang="en-US" dirty="0" smtClean="0"/>
+              <a:rPr lang="en-US" dirty="0"/>
               <a:t>There are many, many properties that CSS controls</a:t>
             </a:r>
           </a:p>
@@ -40533,7 +40161,7 @@
           </a:p>
           <a:p>
             <a:r>
-              <a:rPr lang="en-US" dirty="0" smtClean="0"/>
+              <a:rPr lang="en-US" dirty="0"/>
               <a:t>Examples of properties:</a:t>
             </a:r>
           </a:p>
@@ -40545,28 +40173,19 @@
             </a:r>
             <a:r>
               <a:rPr lang="en-US" dirty="0"/>
-              <a:t>: </a:t>
-            </a:r>
-            <a:r>
-              <a:rPr lang="en-US" dirty="0" smtClean="0"/>
-              <a:t>controls the color of text in an HTML element</a:t>
+              <a:t>: controls the color of text in an HTML element</a:t>
             </a:r>
           </a:p>
           <a:p>
             <a:pPr lvl="1"/>
             <a:r>
-              <a:rPr lang="en-US" b="1" dirty="0" smtClean="0"/>
+              <a:rPr lang="en-US" b="1" dirty="0"/>
               <a:t>background-color</a:t>
             </a:r>
             <a:r>
               <a:rPr lang="en-US" dirty="0"/>
-              <a:t>: </a:t>
+              <a:t>: controls the background color of an HTML element</a:t>
             </a:r>
-            <a:r>
-              <a:rPr lang="en-US" dirty="0" smtClean="0"/>
-              <a:t>controls the background color of an HTML element</a:t>
-            </a:r>
-            <a:endParaRPr lang="en-US" dirty="0"/>
           </a:p>
           <a:p>
             <a:pPr lvl="1"/>
@@ -40576,13 +40195,8 @@
             </a:r>
             <a:r>
               <a:rPr lang="en-US" dirty="0"/>
-              <a:t>: </a:t>
+              <a:t>: controls the size of text in an HTML element</a:t>
             </a:r>
-            <a:r>
-              <a:rPr lang="en-US" dirty="0" smtClean="0"/>
-              <a:t>controls the size of text in an HTML element</a:t>
-            </a:r>
-            <a:endParaRPr lang="en-US" dirty="0"/>
           </a:p>
           <a:p>
             <a:pPr lvl="1"/>
@@ -40592,13 +40206,8 @@
             </a:r>
             <a:r>
               <a:rPr lang="en-US" dirty="0"/>
-              <a:t>: </a:t>
+              <a:t>: controls the weight of text (e.g., boldness) in an HTML element</a:t>
             </a:r>
-            <a:r>
-              <a:rPr lang="en-US" dirty="0" smtClean="0"/>
-              <a:t>controls the weight of text (e.g., boldness) in an HTML element</a:t>
-            </a:r>
-            <a:endParaRPr lang="en-US" dirty="0"/>
           </a:p>
           <a:p>
             <a:pPr lvl="1"/>
@@ -41314,7 +40923,7 @@
               <a:buNone/>
             </a:pPr>
             <a:r>
-              <a:rPr lang="en-US" sz="4800" dirty="0" smtClean="0">
+              <a:rPr lang="en-US" sz="4800" dirty="0">
                 <a:solidFill>
                   <a:srgbClr val="FF0000"/>
                 </a:solidFill>
@@ -41323,7 +40932,7 @@
               <a:t>color</a:t>
             </a:r>
             <a:r>
-              <a:rPr lang="en-US" sz="4800" dirty="0" smtClean="0">
+              <a:rPr lang="en-US" sz="4800" dirty="0">
                 <a:solidFill>
                   <a:srgbClr val="000000"/>
                 </a:solidFill>
@@ -41332,7 +40941,7 @@
               <a:t>: </a:t>
             </a:r>
             <a:r>
-              <a:rPr lang="en-US" sz="4800" dirty="0" smtClean="0">
+              <a:rPr lang="en-US" sz="4800" dirty="0">
                 <a:solidFill>
                   <a:srgbClr val="0451A5"/>
                 </a:solidFill>
@@ -41341,7 +40950,7 @@
               <a:t>red</a:t>
             </a:r>
             <a:r>
-              <a:rPr lang="en-US" sz="4800" dirty="0" smtClean="0">
+              <a:rPr lang="en-US" sz="4800" dirty="0">
                 <a:solidFill>
                   <a:srgbClr val="000000"/>
                 </a:solidFill>
@@ -41369,10 +40978,9 @@
           <a:lstStyle/>
           <a:p>
             <a:r>
-              <a:rPr lang="en-US" dirty="0" smtClean="0"/>
+              <a:rPr lang="en-US" dirty="0"/>
               <a:t>CSS Declarations</a:t>
             </a:r>
-            <a:endParaRPr lang="en-US" dirty="0"/>
           </a:p>
         </p:txBody>
       </p:sp>
@@ -41399,36 +41007,30 @@
           <a:lstStyle/>
           <a:p>
             <a:r>
-              <a:rPr lang="en-US" dirty="0" smtClean="0"/>
+              <a:rPr lang="en-US" dirty="0"/>
               <a:t>A CSS </a:t>
             </a:r>
             <a:r>
-              <a:rPr lang="en-US" b="1" dirty="0" smtClean="0"/>
+              <a:rPr lang="en-US" b="1" dirty="0"/>
               <a:t>declaration</a:t>
             </a:r>
             <a:r>
-              <a:rPr lang="en-US" dirty="0" smtClean="0"/>
+              <a:rPr lang="en-US" dirty="0"/>
               <a:t> sets a </a:t>
             </a:r>
             <a:r>
-              <a:rPr lang="en-US" i="1" dirty="0" smtClean="0"/>
+              <a:rPr lang="en-US" i="1" dirty="0"/>
               <a:t>property</a:t>
             </a:r>
             <a:r>
-              <a:rPr lang="en-US" dirty="0" smtClean="0"/>
+              <a:rPr lang="en-US" dirty="0"/>
               <a:t> to a </a:t>
             </a:r>
             <a:r>
-              <a:rPr lang="en-US" i="1" dirty="0" smtClean="0"/>
+              <a:rPr lang="en-US" i="1" dirty="0"/>
               <a:t>value</a:t>
             </a:r>
-            <a:endParaRPr lang="en-US" b="1" dirty="0" smtClean="0"/>
-          </a:p>
-          <a:p>
-            <a:pPr marL="57150" indent="0">
-              <a:buNone/>
-            </a:pPr>
-            <a:endParaRPr lang="en-US" dirty="0" smtClean="0"/>
+            <a:endParaRPr lang="en-US" b="1" dirty="0"/>
           </a:p>
           <a:p>
             <a:pPr marL="57150" indent="0">
@@ -41440,13 +41042,19 @@
             <a:pPr marL="57150" indent="0">
               <a:buNone/>
             </a:pPr>
-            <a:endParaRPr lang="en-US" dirty="0" smtClean="0"/>
+            <a:endParaRPr lang="en-US" dirty="0"/>
           </a:p>
           <a:p>
             <a:pPr marL="57150" indent="0">
               <a:buNone/>
             </a:pPr>
-            <a:endParaRPr lang="en-US" dirty="0" smtClean="0"/>
+            <a:endParaRPr lang="en-US" dirty="0"/>
+          </a:p>
+          <a:p>
+            <a:pPr marL="57150" indent="0">
+              <a:buNone/>
+            </a:pPr>
+            <a:endParaRPr lang="en-US" dirty="0"/>
           </a:p>
         </p:txBody>
       </p:sp>
@@ -41523,18 +41131,13 @@
           <a:lstStyle/>
           <a:p>
             <a:r>
-              <a:rPr lang="en-US" sz="3200" dirty="0" smtClean="0">
+              <a:rPr lang="en-US" sz="3200" dirty="0">
                 <a:solidFill>
                   <a:srgbClr val="FF8300"/>
                 </a:solidFill>
               </a:rPr>
               <a:t>Property</a:t>
             </a:r>
-            <a:endParaRPr lang="en-US" sz="3200" dirty="0">
-              <a:solidFill>
-                <a:srgbClr val="FF8300"/>
-              </a:solidFill>
-            </a:endParaRPr>
           </a:p>
         </p:txBody>
       </p:sp>
@@ -41606,18 +41209,13 @@
           <a:lstStyle/>
           <a:p>
             <a:r>
-              <a:rPr lang="en-US" sz="3200" dirty="0" smtClean="0">
+              <a:rPr lang="en-US" sz="3200" dirty="0">
                 <a:solidFill>
                   <a:schemeClr val="accent1"/>
                 </a:solidFill>
               </a:rPr>
               <a:t>Value</a:t>
             </a:r>
-            <a:endParaRPr lang="en-US" sz="3200" dirty="0">
-              <a:solidFill>
-                <a:schemeClr val="accent1"/>
-              </a:solidFill>
-            </a:endParaRPr>
           </a:p>
         </p:txBody>
       </p:sp>
@@ -42052,7 +41650,7 @@
               <a:defRPr/>
             </a:pPr>
             <a:r>
-              <a:rPr kumimoji="0" lang="en-US" sz="5400" b="0" i="0" u="none" strike="noStrike" kern="1200" cap="none" spc="0" normalizeH="0" baseline="0" noProof="0" dirty="0" smtClean="0">
+              <a:rPr kumimoji="0" lang="en-US" sz="5400" b="0" i="0" u="none" strike="noStrike" kern="1200" cap="none" spc="0" normalizeH="0" baseline="0" noProof="0" dirty="0">
                 <a:ln>
                   <a:noFill/>
                 </a:ln>
@@ -42069,23 +41667,6 @@
               <a:t>h1</a:t>
             </a:r>
             <a:r>
-              <a:rPr kumimoji="0" lang="en-US" sz="5400" b="0" i="0" u="none" strike="noStrike" kern="1200" cap="none" spc="0" normalizeH="0" baseline="0" noProof="0" dirty="0" smtClean="0">
-                <a:ln>
-                  <a:noFill/>
-                </a:ln>
-                <a:solidFill>
-                  <a:srgbClr val="000000"/>
-                </a:solidFill>
-                <a:effectLst/>
-                <a:uLnTx/>
-                <a:uFillTx/>
-                <a:latin typeface="Consolas" panose="020B0609020204030204" pitchFamily="49" charset="0"/>
-                <a:ea typeface="+mn-ea"/>
-                <a:cs typeface="+mn-cs"/>
-              </a:rPr>
-              <a:t> </a:t>
-            </a:r>
-            <a:r>
               <a:rPr kumimoji="0" lang="en-US" sz="5400" b="0" i="0" u="none" strike="noStrike" kern="1200" cap="none" spc="0" normalizeH="0" baseline="0" noProof="0" dirty="0">
                 <a:ln>
                   <a:noFill/>
@@ -42100,7 +41681,7 @@
                 <a:ea typeface="+mn-ea"/>
                 <a:cs typeface="+mn-cs"/>
               </a:rPr>
-              <a:t>{</a:t>
+              <a:t> {</a:t>
             </a:r>
           </a:p>
           <a:p>
@@ -42139,7 +41720,7 @@
               <a:t>    </a:t>
             </a:r>
             <a:r>
-              <a:rPr kumimoji="0" lang="en-US" sz="5400" b="0" i="0" u="none" strike="noStrike" kern="1200" cap="none" spc="0" normalizeH="0" baseline="0" noProof="0" dirty="0" smtClean="0">
+              <a:rPr kumimoji="0" lang="en-US" sz="5400" b="0" i="0" u="none" strike="noStrike" kern="1200" cap="none" spc="0" normalizeH="0" baseline="0" noProof="0" dirty="0">
                 <a:ln>
                   <a:noFill/>
                 </a:ln>
@@ -42156,7 +41737,7 @@
               <a:t>font-size</a:t>
             </a:r>
             <a:r>
-              <a:rPr kumimoji="0" lang="en-US" sz="5400" b="0" i="0" u="none" strike="noStrike" kern="1200" cap="none" spc="0" normalizeH="0" baseline="0" noProof="0" dirty="0" smtClean="0">
+              <a:rPr kumimoji="0" lang="en-US" sz="5400" b="0" i="0" u="none" strike="noStrike" kern="1200" cap="none" spc="0" normalizeH="0" baseline="0" noProof="0" dirty="0">
                 <a:ln>
                   <a:noFill/>
                 </a:ln>
@@ -42182,7 +41763,7 @@
               <a:t>6</a:t>
             </a:r>
             <a:r>
-              <a:rPr kumimoji="0" lang="en-US" sz="5400" b="0" i="0" u="none" strike="noStrike" kern="1200" cap="none" spc="0" normalizeH="0" baseline="0" noProof="0" dirty="0" smtClean="0">
+              <a:rPr kumimoji="0" lang="en-US" sz="5400" b="0" i="0" u="none" strike="noStrike" kern="1200" cap="none" spc="0" normalizeH="0" baseline="0" noProof="0" dirty="0">
                 <a:ln>
                   <a:noFill/>
                 </a:ln>
@@ -42199,7 +41780,7 @@
               <a:t>0px</a:t>
             </a:r>
             <a:r>
-              <a:rPr kumimoji="0" lang="en-US" sz="5400" b="0" i="0" u="none" strike="noStrike" kern="1200" cap="none" spc="0" normalizeH="0" baseline="0" noProof="0" dirty="0" smtClean="0">
+              <a:rPr kumimoji="0" lang="en-US" sz="5400" b="0" i="0" u="none" strike="noStrike" kern="1200" cap="none" spc="0" normalizeH="0" baseline="0" noProof="0" dirty="0">
                 <a:ln>
                   <a:noFill/>
                 </a:ln>
@@ -42215,20 +41796,6 @@
               </a:rPr>
               <a:t>;</a:t>
             </a:r>
-            <a:endParaRPr kumimoji="0" lang="en-US" sz="5400" b="0" i="0" u="none" strike="noStrike" kern="1200" cap="none" spc="0" normalizeH="0" baseline="0" noProof="0" dirty="0">
-              <a:ln>
-                <a:noFill/>
-              </a:ln>
-              <a:solidFill>
-                <a:srgbClr val="000000"/>
-              </a:solidFill>
-              <a:effectLst/>
-              <a:uLnTx/>
-              <a:uFillTx/>
-              <a:latin typeface="Consolas" panose="020B0609020204030204" pitchFamily="49" charset="0"/>
-              <a:ea typeface="+mn-ea"/>
-              <a:cs typeface="+mn-cs"/>
-            </a:endParaRPr>
           </a:p>
           <a:p>
             <a:pPr marL="0" marR="0" lvl="0" indent="0" algn="l" defTabSz="457200" rtl="0" eaLnBrk="1" fontAlgn="auto" latinLnBrk="0" hangingPunct="1">
@@ -42300,7 +41867,7 @@
               <a:t>: </a:t>
             </a:r>
             <a:r>
-              <a:rPr kumimoji="0" lang="en-US" sz="5400" b="0" i="0" u="none" strike="noStrike" kern="1200" cap="none" spc="0" normalizeH="0" baseline="0" noProof="0" dirty="0" smtClean="0">
+              <a:rPr kumimoji="0" lang="en-US" sz="5400" b="0" i="0" u="none" strike="noStrike" kern="1200" cap="none" spc="0" normalizeH="0" baseline="0" noProof="0" dirty="0">
                 <a:ln>
                   <a:noFill/>
                 </a:ln>
@@ -42317,7 +41884,7 @@
               <a:t>purple</a:t>
             </a:r>
             <a:r>
-              <a:rPr kumimoji="0" lang="en-US" sz="5400" b="0" i="0" u="none" strike="noStrike" kern="1200" cap="none" spc="0" normalizeH="0" baseline="0" noProof="0" dirty="0" smtClean="0">
+              <a:rPr kumimoji="0" lang="en-US" sz="5400" b="0" i="0" u="none" strike="noStrike" kern="1200" cap="none" spc="0" normalizeH="0" baseline="0" noProof="0" dirty="0">
                 <a:ln>
                   <a:noFill/>
                 </a:ln>
@@ -42333,20 +41900,6 @@
               </a:rPr>
               <a:t>;</a:t>
             </a:r>
-            <a:endParaRPr kumimoji="0" lang="en-US" sz="5400" b="0" i="0" u="none" strike="noStrike" kern="1200" cap="none" spc="0" normalizeH="0" baseline="0" noProof="0" dirty="0">
-              <a:ln>
-                <a:noFill/>
-              </a:ln>
-              <a:solidFill>
-                <a:srgbClr val="000000"/>
-              </a:solidFill>
-              <a:effectLst/>
-              <a:uLnTx/>
-              <a:uFillTx/>
-              <a:latin typeface="Consolas" panose="020B0609020204030204" pitchFamily="49" charset="0"/>
-              <a:ea typeface="+mn-ea"/>
-              <a:cs typeface="+mn-cs"/>
-            </a:endParaRPr>
           </a:p>
           <a:p>
             <a:pPr marL="0" marR="0" lvl="0" indent="0" algn="l" defTabSz="457200" rtl="0" eaLnBrk="1" fontAlgn="auto" latinLnBrk="0" hangingPunct="1">
@@ -42367,7 +41920,7 @@
               <a:defRPr/>
             </a:pPr>
             <a:r>
-              <a:rPr kumimoji="0" lang="en-US" sz="5400" b="0" i="0" u="none" strike="noStrike" kern="1200" cap="none" spc="0" normalizeH="0" baseline="0" noProof="0" dirty="0" smtClean="0">
+              <a:rPr kumimoji="0" lang="en-US" sz="5400" b="0" i="0" u="none" strike="noStrike" kern="1200" cap="none" spc="0" normalizeH="0" baseline="0" noProof="0" dirty="0">
                 <a:ln>
                   <a:noFill/>
                 </a:ln>
@@ -42383,20 +41936,6 @@
               </a:rPr>
               <a:t>}</a:t>
             </a:r>
-            <a:endParaRPr kumimoji="0" lang="en-US" sz="5400" b="0" i="0" u="none" strike="noStrike" kern="1200" cap="none" spc="0" normalizeH="0" baseline="0" noProof="0" dirty="0">
-              <a:ln>
-                <a:noFill/>
-              </a:ln>
-              <a:solidFill>
-                <a:srgbClr val="000000"/>
-              </a:solidFill>
-              <a:effectLst/>
-              <a:uLnTx/>
-              <a:uFillTx/>
-              <a:latin typeface="Consolas" panose="020B0609020204030204" pitchFamily="49" charset="0"/>
-              <a:ea typeface="+mn-ea"/>
-              <a:cs typeface="+mn-cs"/>
-            </a:endParaRPr>
           </a:p>
         </p:txBody>
       </p:sp>
@@ -42526,7 +42065,7 @@
               <a:defRPr/>
             </a:pPr>
             <a:r>
-              <a:rPr kumimoji="0" lang="en-US" sz="2400" b="0" i="0" u="none" strike="noStrike" kern="1200" cap="none" spc="0" normalizeH="0" baseline="0" noProof="0" dirty="0" smtClean="0">
+              <a:rPr kumimoji="0" lang="en-US" sz="2400" b="0" i="0" u="none" strike="noStrike" kern="1200" cap="none" spc="0" normalizeH="0" baseline="0" noProof="0" dirty="0">
                 <a:ln>
                   <a:noFill/>
                 </a:ln>
@@ -42680,7 +42219,7 @@
               <a:defRPr/>
             </a:pPr>
             <a:r>
-              <a:rPr kumimoji="0" lang="en-US" sz="2400" b="0" i="0" u="none" strike="noStrike" kern="1200" cap="none" spc="0" normalizeH="0" baseline="0" noProof="0" dirty="0" smtClean="0">
+              <a:rPr kumimoji="0" lang="en-US" sz="2400" b="0" i="0" u="none" strike="noStrike" kern="1200" cap="none" spc="0" normalizeH="0" baseline="0" noProof="0" dirty="0">
                 <a:ln>
                   <a:noFill/>
                 </a:ln>
@@ -42696,20 +42235,6 @@
               </a:rPr>
               <a:t>Value</a:t>
             </a:r>
-            <a:endParaRPr kumimoji="0" lang="en-US" sz="2400" b="0" i="0" u="none" strike="noStrike" kern="1200" cap="none" spc="0" normalizeH="0" baseline="0" noProof="0" dirty="0">
-              <a:ln>
-                <a:noFill/>
-              </a:ln>
-              <a:solidFill>
-                <a:srgbClr val="00CBEE"/>
-              </a:solidFill>
-              <a:effectLst/>
-              <a:uLnTx/>
-              <a:uFillTx/>
-              <a:latin typeface="Calibri" panose="020F0502020204030204"/>
-              <a:ea typeface="+mn-ea"/>
-              <a:cs typeface="+mn-cs"/>
-            </a:endParaRPr>
           </a:p>
         </p:txBody>
       </p:sp>
@@ -42839,7 +42364,7 @@
               <a:defRPr/>
             </a:pPr>
             <a:r>
-              <a:rPr kumimoji="0" lang="en-US" sz="2400" b="0" i="0" u="none" strike="noStrike" kern="1200" cap="none" spc="0" normalizeH="0" baseline="0" noProof="0" dirty="0" smtClean="0">
+              <a:rPr kumimoji="0" lang="en-US" sz="2400" b="0" i="0" u="none" strike="noStrike" kern="1200" cap="none" spc="0" normalizeH="0" baseline="0" noProof="0" dirty="0">
                 <a:ln>
                   <a:noFill/>
                 </a:ln>
@@ -42855,20 +42380,6 @@
               </a:rPr>
               <a:t>Declaration</a:t>
             </a:r>
-            <a:endParaRPr kumimoji="0" lang="en-US" sz="2400" b="0" i="0" u="none" strike="noStrike" kern="1200" cap="none" spc="0" normalizeH="0" baseline="0" noProof="0" dirty="0">
-              <a:ln>
-                <a:noFill/>
-              </a:ln>
-              <a:solidFill>
-                <a:srgbClr val="6CC04A"/>
-              </a:solidFill>
-              <a:effectLst/>
-              <a:uLnTx/>
-              <a:uFillTx/>
-              <a:latin typeface="Calibri" panose="020F0502020204030204"/>
-              <a:ea typeface="+mn-ea"/>
-              <a:cs typeface="+mn-cs"/>
-            </a:endParaRPr>
           </a:p>
         </p:txBody>
       </p:sp>
@@ -42998,7 +42509,7 @@
               <a:defRPr/>
             </a:pPr>
             <a:r>
-              <a:rPr kumimoji="0" lang="en-US" sz="2400" b="0" i="0" u="none" strike="noStrike" kern="1200" cap="none" spc="0" normalizeH="0" baseline="0" noProof="0" dirty="0" smtClean="0">
+              <a:rPr kumimoji="0" lang="en-US" sz="2400" b="0" i="0" u="none" strike="noStrike" kern="1200" cap="none" spc="0" normalizeH="0" baseline="0" noProof="0" dirty="0">
                 <a:ln>
                   <a:noFill/>
                 </a:ln>
@@ -43014,20 +42525,6 @@
               </a:rPr>
               <a:t>Selector</a:t>
             </a:r>
-            <a:endParaRPr kumimoji="0" lang="en-US" sz="2400" b="0" i="0" u="none" strike="noStrike" kern="1200" cap="none" spc="0" normalizeH="0" baseline="0" noProof="0" dirty="0">
-              <a:ln>
-                <a:noFill/>
-              </a:ln>
-              <a:solidFill>
-                <a:srgbClr val="E13FB4"/>
-              </a:solidFill>
-              <a:effectLst/>
-              <a:uLnTx/>
-              <a:uFillTx/>
-              <a:latin typeface="Calibri" panose="020F0502020204030204"/>
-              <a:ea typeface="+mn-ea"/>
-              <a:cs typeface="+mn-cs"/>
-            </a:endParaRPr>
           </a:p>
         </p:txBody>
       </p:sp>
@@ -43157,7 +42654,7 @@
               <a:defRPr/>
             </a:pPr>
             <a:r>
-              <a:rPr kumimoji="0" lang="en-US" sz="2400" b="0" i="0" u="none" strike="noStrike" kern="1200" cap="none" spc="0" normalizeH="0" baseline="0" noProof="0" dirty="0" smtClean="0">
+              <a:rPr kumimoji="0" lang="en-US" sz="2400" b="0" i="0" u="none" strike="noStrike" kern="1200" cap="none" spc="0" normalizeH="0" baseline="0" noProof="0" dirty="0">
                 <a:ln>
                   <a:noFill/>
                 </a:ln>
@@ -43173,20 +42670,6 @@
               </a:rPr>
               <a:t>Ruleset</a:t>
             </a:r>
-            <a:endParaRPr kumimoji="0" lang="en-US" sz="2400" b="0" i="0" u="none" strike="noStrike" kern="1200" cap="none" spc="0" normalizeH="0" baseline="0" noProof="0" dirty="0">
-              <a:ln>
-                <a:noFill/>
-              </a:ln>
-              <a:solidFill>
-                <a:srgbClr val="FFE900"/>
-              </a:solidFill>
-              <a:effectLst/>
-              <a:uLnTx/>
-              <a:uFillTx/>
-              <a:latin typeface="Calibri" panose="020F0502020204030204"/>
-              <a:ea typeface="+mn-ea"/>
-              <a:cs typeface="+mn-cs"/>
-            </a:endParaRPr>
           </a:p>
         </p:txBody>
       </p:sp>
@@ -43249,7 +42732,7 @@
               <a:defRPr/>
             </a:pPr>
             <a:r>
-              <a:rPr kumimoji="0" lang="en-US" sz="3200" b="1" i="0" u="none" strike="noStrike" kern="1200" cap="all" spc="0" normalizeH="0" baseline="0" noProof="0" dirty="0" smtClean="0">
+              <a:rPr kumimoji="0" lang="en-US" sz="3200" b="1" i="0" u="none" strike="noStrike" kern="1200" cap="all" spc="0" normalizeH="0" baseline="0" noProof="0" dirty="0">
                 <a:ln>
                   <a:noFill/>
                 </a:ln>
@@ -43265,20 +42748,6 @@
               </a:rPr>
               <a:t>Putting it all together: A ruleset</a:t>
             </a:r>
-            <a:endParaRPr kumimoji="0" lang="en-US" sz="3200" b="1" i="0" u="none" strike="noStrike" kern="1200" cap="all" spc="0" normalizeH="0" baseline="0" noProof="0" dirty="0">
-              <a:ln>
-                <a:noFill/>
-              </a:ln>
-              <a:solidFill>
-                <a:srgbClr val="56565A"/>
-              </a:solidFill>
-              <a:effectLst/>
-              <a:uLnTx/>
-              <a:uFillTx/>
-              <a:latin typeface="Arial" panose="020B0604020202020204"/>
-              <a:ea typeface="+mj-ea"/>
-              <a:cs typeface="+mj-cs"/>
-            </a:endParaRPr>
           </a:p>
         </p:txBody>
       </p:sp>
@@ -43292,14 +42761,6 @@
   <p:clrMapOvr>
     <a:masterClrMapping/>
   </p:clrMapOvr>
-  <mc:AlternateContent xmlns:mc="http://schemas.openxmlformats.org/markup-compatibility/2006" xmlns:p14="http://schemas.microsoft.com/office/powerpoint/2010/main">
-    <mc:Choice Requires="p14">
-      <p:transition spd="slow" p14:dur="2000"/>
-    </mc:Choice>
-    <mc:Fallback xmlns="">
-      <p:transition spd="slow"/>
-    </mc:Fallback>
-  </mc:AlternateContent>
   <p:timing>
     <p:tnLst>
       <p:par>
@@ -44208,10 +43669,9 @@
           <a:lstStyle/>
           <a:p>
             <a:r>
-              <a:rPr lang="en-US" dirty="0" smtClean="0"/>
+              <a:rPr lang="en-US" dirty="0"/>
               <a:t>Ruleset example</a:t>
             </a:r>
-            <a:endParaRPr lang="en-US" dirty="0"/>
           </a:p>
         </p:txBody>
       </p:sp>
@@ -44236,12 +43696,12 @@
               <a:buNone/>
             </a:pPr>
             <a:r>
-              <a:rPr lang="en-US" sz="11500" dirty="0">
+              <a:rPr lang="en-US" sz="9600" dirty="0">
                 <a:hlinkClick r:id="rId3"/>
               </a:rPr>
-              <a:t>https://repl.it/repls/ExoticCalculatingTrust</a:t>
+              <a:t>https://replit.com/@HylandOutreach/RulesetExample</a:t>
             </a:r>
-            <a:endParaRPr lang="en-US" sz="13800" dirty="0"/>
+            <a:endParaRPr lang="en-US" sz="11500" dirty="0"/>
           </a:p>
         </p:txBody>
       </p:sp>
@@ -44258,13 +43718,6 @@
   <p:transition>
     <p:fade/>
   </p:transition>
-  <p:timing>
-    <p:tnLst>
-      <p:par>
-        <p:cTn id="1" dur="indefinite" restart="never" nodeType="tmRoot"/>
-      </p:par>
-    </p:tnLst>
-  </p:timing>
 </p:sld>
 </file>
 

--- a/Week06/CssSelectorsAndProperties.pptx
+++ b/Week06/CssSelectorsAndProperties.pptx
@@ -20,32 +20,25 @@
   <p:notesSz cx="6858000" cy="9144000"/>
   <p:embeddedFontLst>
     <p:embeddedFont>
-      <p:font typeface="Calibri" panose="020F0502020204030204" pitchFamily="34" charset="0"/>
+      <p:font typeface="Consolas" panose="020B0609020204030204" pitchFamily="49" charset="0"/>
       <p:regular r:id="rId10"/>
       <p:bold r:id="rId11"/>
       <p:italic r:id="rId12"/>
       <p:boldItalic r:id="rId13"/>
     </p:embeddedFont>
     <p:embeddedFont>
-      <p:font typeface="Consolas" panose="020B0609020204030204" pitchFamily="49" charset="0"/>
+      <p:font typeface="Krona One" panose="020B0604020202020204" charset="0"/>
       <p:regular r:id="rId14"/>
-      <p:bold r:id="rId15"/>
-      <p:italic r:id="rId16"/>
-      <p:boldItalic r:id="rId17"/>
-    </p:embeddedFont>
-    <p:embeddedFont>
-      <p:font typeface="Krona One" panose="020B0604020202020204" charset="0"/>
-      <p:regular r:id="rId18"/>
     </p:embeddedFont>
     <p:embeddedFont>
       <p:font typeface="Miriam Libre" panose="00000500000000000000" pitchFamily="2" charset="-79"/>
-      <p:regular r:id="rId19"/>
-      <p:bold r:id="rId20"/>
+      <p:regular r:id="rId15"/>
+      <p:bold r:id="rId16"/>
     </p:embeddedFont>
     <p:embeddedFont>
       <p:font typeface="Roboto Condensed Light" panose="02000000000000000000" pitchFamily="2" charset="0"/>
-      <p:regular r:id="rId21"/>
-      <p:italic r:id="rId22"/>
+      <p:regular r:id="rId17"/>
+      <p:italic r:id="rId18"/>
     </p:embeddedFont>
   </p:embeddedFontLst>
   <p:defaultTextStyle>
@@ -5544,7 +5537,7 @@
           <a:p>
             <a:fld id="{5958763E-B898-436D-883D-03711491D54A}" type="datetimeFigureOut">
               <a:rPr lang="en-US" smtClean="0"/>
-              <a:t>2/9/2023</a:t>
+              <a:t>6/25/2024</a:t>
             </a:fld>
             <a:endParaRPr lang="en-US"/>
           </a:p>
@@ -11008,13 +11001,13 @@
   <p:clrMapOvr>
     <a:masterClrMapping/>
   </p:clrMapOvr>
-  <mc:AlternateContent xmlns:mc="http://schemas.openxmlformats.org/markup-compatibility/2006">
-    <mc:Choice xmlns:p159="http://schemas.microsoft.com/office/powerpoint/2015/09/main" Requires="p159">
+  <mc:AlternateContent xmlns:mc="http://schemas.openxmlformats.org/markup-compatibility/2006" xmlns:p159="http://schemas.microsoft.com/office/powerpoint/2015/09/main">
+    <mc:Choice Requires="p159">
       <p:transition xmlns:p14="http://schemas.microsoft.com/office/powerpoint/2010/main" spd="slow" p14:dur="2000">
         <p159:morph option="byObject"/>
       </p:transition>
     </mc:Choice>
-    <mc:Fallback>
+    <mc:Fallback xmlns="">
       <p:transition spd="slow">
         <p:fade/>
       </p:transition>
@@ -11963,21 +11956,18 @@
                 <a:solidFill>
                   <a:schemeClr val="bg1"/>
                 </a:solidFill>
-                <a:hlinkClick r:id="rId3">
-                  <a:extLst>
-                    <a:ext uri="{A12FA001-AC4F-418D-AE19-62706E023703}">
-                      <ahyp:hlinkClr xmlns:ahyp="http://schemas.microsoft.com/office/drawing/2018/hyperlinkcolor" val="tx"/>
-                    </a:ext>
-                  </a:extLst>
-                </a:hlinkClick>
+                <a:hlinkClick r:id="rId3"/>
               </a:rPr>
-              <a:t>https://replit.com/@HylandOutreach/RulesetExample</a:t>
+              <a:t>https://glitch.com/edit/#!/rulesetexample</a:t>
             </a:r>
-            <a:endParaRPr lang="en-US" sz="2400" b="1" dirty="0">
-              <a:solidFill>
-                <a:schemeClr val="bg1"/>
-              </a:solidFill>
-            </a:endParaRPr>
+            <a:r>
+              <a:rPr lang="en-US" sz="2400" b="1" dirty="0">
+                <a:solidFill>
+                  <a:schemeClr val="bg1"/>
+                </a:solidFill>
+              </a:rPr>
+              <a:t> </a:t>
+            </a:r>
           </a:p>
         </p:txBody>
       </p:sp>

--- a/Week06/CssSelectorsAndProperties.pptx
+++ b/Week06/CssSelectorsAndProperties.pptx
@@ -5537,7 +5537,7 @@
           <a:p>
             <a:fld id="{5958763E-B898-436D-883D-03711491D54A}" type="datetimeFigureOut">
               <a:rPr lang="en-US" smtClean="0"/>
-              <a:t>6/25/2024</a:t>
+              <a:t>6/26/2024</a:t>
             </a:fld>
             <a:endParaRPr lang="en-US"/>
           </a:p>
@@ -11956,15 +11956,21 @@
                 <a:solidFill>
                   <a:schemeClr val="bg1"/>
                 </a:solidFill>
+                <a:highlight>
+                  <a:srgbClr val="C0C0C0"/>
+                </a:highlight>
                 <a:hlinkClick r:id="rId3"/>
               </a:rPr>
-              <a:t>https://glitch.com/edit/#!/rulesetexample</a:t>
+              <a:t>https://glitch.com/edit/#!/remix/rulesetexample</a:t>
             </a:r>
             <a:r>
               <a:rPr lang="en-US" sz="2400" b="1" dirty="0">
                 <a:solidFill>
                   <a:schemeClr val="bg1"/>
                 </a:solidFill>
+                <a:highlight>
+                  <a:srgbClr val="C0C0C0"/>
+                </a:highlight>
               </a:rPr>
               <a:t> </a:t>
             </a:r>

--- a/Week06/CssSelectorsAndProperties.pptx
+++ b/Week06/CssSelectorsAndProperties.pptx
@@ -20,32 +20,25 @@
   <p:notesSz cx="6858000" cy="9144000"/>
   <p:embeddedFontLst>
     <p:embeddedFont>
-      <p:font typeface="Calibri" panose="020F0502020204030204" pitchFamily="34" charset="0"/>
+      <p:font typeface="Consolas" panose="020B0609020204030204" pitchFamily="49" charset="0"/>
       <p:regular r:id="rId10"/>
       <p:bold r:id="rId11"/>
       <p:italic r:id="rId12"/>
       <p:boldItalic r:id="rId13"/>
     </p:embeddedFont>
     <p:embeddedFont>
-      <p:font typeface="Consolas" panose="020B0609020204030204" pitchFamily="49" charset="0"/>
+      <p:font typeface="Krona One" panose="020B0604020202020204" charset="0"/>
       <p:regular r:id="rId14"/>
-      <p:bold r:id="rId15"/>
-      <p:italic r:id="rId16"/>
-      <p:boldItalic r:id="rId17"/>
-    </p:embeddedFont>
-    <p:embeddedFont>
-      <p:font typeface="Krona One" panose="020B0604020202020204" charset="0"/>
-      <p:regular r:id="rId18"/>
     </p:embeddedFont>
     <p:embeddedFont>
       <p:font typeface="Miriam Libre" panose="00000500000000000000" pitchFamily="2" charset="-79"/>
-      <p:regular r:id="rId19"/>
-      <p:bold r:id="rId20"/>
+      <p:regular r:id="rId15"/>
+      <p:bold r:id="rId16"/>
     </p:embeddedFont>
     <p:embeddedFont>
       <p:font typeface="Roboto Condensed Light" panose="02000000000000000000" pitchFamily="2" charset="0"/>
-      <p:regular r:id="rId21"/>
-      <p:italic r:id="rId22"/>
+      <p:regular r:id="rId17"/>
+      <p:italic r:id="rId18"/>
     </p:embeddedFont>
   </p:embeddedFontLst>
   <p:defaultTextStyle>
@@ -5544,7 +5537,7 @@
           <a:p>
             <a:fld id="{5958763E-B898-436D-883D-03711491D54A}" type="datetimeFigureOut">
               <a:rPr lang="en-US" smtClean="0"/>
-              <a:t>2/9/2023</a:t>
+              <a:t>6/26/2024</a:t>
             </a:fld>
             <a:endParaRPr lang="en-US"/>
           </a:p>
@@ -11008,13 +11001,13 @@
   <p:clrMapOvr>
     <a:masterClrMapping/>
   </p:clrMapOvr>
-  <mc:AlternateContent xmlns:mc="http://schemas.openxmlformats.org/markup-compatibility/2006">
-    <mc:Choice xmlns:p159="http://schemas.microsoft.com/office/powerpoint/2015/09/main" Requires="p159">
+  <mc:AlternateContent xmlns:mc="http://schemas.openxmlformats.org/markup-compatibility/2006" xmlns:p159="http://schemas.microsoft.com/office/powerpoint/2015/09/main">
+    <mc:Choice Requires="p159">
       <p:transition xmlns:p14="http://schemas.microsoft.com/office/powerpoint/2010/main" spd="slow" p14:dur="2000">
         <p159:morph option="byObject"/>
       </p:transition>
     </mc:Choice>
-    <mc:Fallback>
+    <mc:Fallback xmlns="">
       <p:transition spd="slow">
         <p:fade/>
       </p:transition>
@@ -11963,21 +11956,24 @@
                 <a:solidFill>
                   <a:schemeClr val="bg1"/>
                 </a:solidFill>
-                <a:hlinkClick r:id="rId3">
-                  <a:extLst>
-                    <a:ext uri="{A12FA001-AC4F-418D-AE19-62706E023703}">
-                      <ahyp:hlinkClr xmlns:ahyp="http://schemas.microsoft.com/office/drawing/2018/hyperlinkcolor" val="tx"/>
-                    </a:ext>
-                  </a:extLst>
-                </a:hlinkClick>
+                <a:highlight>
+                  <a:srgbClr val="C0C0C0"/>
+                </a:highlight>
+                <a:hlinkClick r:id="rId3"/>
               </a:rPr>
-              <a:t>https://replit.com/@HylandOutreach/RulesetExample</a:t>
+              <a:t>https://glitch.com/edit/#!/remix/rulesetexample</a:t>
             </a:r>
-            <a:endParaRPr lang="en-US" sz="2400" b="1" dirty="0">
-              <a:solidFill>
-                <a:schemeClr val="bg1"/>
-              </a:solidFill>
-            </a:endParaRPr>
+            <a:r>
+              <a:rPr lang="en-US" sz="2400" b="1" dirty="0">
+                <a:solidFill>
+                  <a:schemeClr val="bg1"/>
+                </a:solidFill>
+                <a:highlight>
+                  <a:srgbClr val="C0C0C0"/>
+                </a:highlight>
+              </a:rPr>
+              <a:t> </a:t>
+            </a:r>
           </a:p>
         </p:txBody>
       </p:sp>

--- a/Week06/CssSelectorsAndProperties.pptx
+++ b/Week06/CssSelectorsAndProperties.pptx
@@ -20,25 +20,32 @@
   <p:notesSz cx="6858000" cy="9144000"/>
   <p:embeddedFontLst>
     <p:embeddedFont>
-      <p:font typeface="Consolas" panose="020B0609020204030204" pitchFamily="49" charset="0"/>
+      <p:font typeface="Calibri" panose="020F0502020204030204" pitchFamily="34" charset="0"/>
       <p:regular r:id="rId10"/>
       <p:bold r:id="rId11"/>
       <p:italic r:id="rId12"/>
       <p:boldItalic r:id="rId13"/>
     </p:embeddedFont>
     <p:embeddedFont>
+      <p:font typeface="Consolas" panose="020B0609020204030204" pitchFamily="49" charset="0"/>
+      <p:regular r:id="rId14"/>
+      <p:bold r:id="rId15"/>
+      <p:italic r:id="rId16"/>
+      <p:boldItalic r:id="rId17"/>
+    </p:embeddedFont>
+    <p:embeddedFont>
       <p:font typeface="Krona One" panose="020B0604020202020204" charset="0"/>
-      <p:regular r:id="rId14"/>
+      <p:regular r:id="rId18"/>
     </p:embeddedFont>
     <p:embeddedFont>
       <p:font typeface="Miriam Libre" panose="00000500000000000000" pitchFamily="2" charset="-79"/>
-      <p:regular r:id="rId15"/>
-      <p:bold r:id="rId16"/>
+      <p:regular r:id="rId19"/>
+      <p:bold r:id="rId20"/>
     </p:embeddedFont>
     <p:embeddedFont>
       <p:font typeface="Roboto Condensed Light" panose="02000000000000000000" pitchFamily="2" charset="0"/>
-      <p:regular r:id="rId17"/>
-      <p:italic r:id="rId18"/>
+      <p:regular r:id="rId21"/>
+      <p:italic r:id="rId22"/>
     </p:embeddedFont>
   </p:embeddedFontLst>
   <p:defaultTextStyle>
@@ -5537,7 +5544,7 @@
           <a:p>
             <a:fld id="{5958763E-B898-436D-883D-03711491D54A}" type="datetimeFigureOut">
               <a:rPr lang="en-US" smtClean="0"/>
-              <a:t>6/26/2024</a:t>
+              <a:t>2/9/2023</a:t>
             </a:fld>
             <a:endParaRPr lang="en-US"/>
           </a:p>
@@ -11001,13 +11008,13 @@
   <p:clrMapOvr>
     <a:masterClrMapping/>
   </p:clrMapOvr>
-  <mc:AlternateContent xmlns:mc="http://schemas.openxmlformats.org/markup-compatibility/2006" xmlns:p159="http://schemas.microsoft.com/office/powerpoint/2015/09/main">
-    <mc:Choice Requires="p159">
+  <mc:AlternateContent xmlns:mc="http://schemas.openxmlformats.org/markup-compatibility/2006">
+    <mc:Choice xmlns:p159="http://schemas.microsoft.com/office/powerpoint/2015/09/main" Requires="p159">
       <p:transition xmlns:p14="http://schemas.microsoft.com/office/powerpoint/2010/main" spd="slow" p14:dur="2000">
         <p159:morph option="byObject"/>
       </p:transition>
     </mc:Choice>
-    <mc:Fallback xmlns="">
+    <mc:Fallback>
       <p:transition spd="slow">
         <p:fade/>
       </p:transition>
@@ -11956,24 +11963,21 @@
                 <a:solidFill>
                   <a:schemeClr val="bg1"/>
                 </a:solidFill>
-                <a:highlight>
-                  <a:srgbClr val="C0C0C0"/>
-                </a:highlight>
-                <a:hlinkClick r:id="rId3"/>
+                <a:hlinkClick r:id="rId3">
+                  <a:extLst>
+                    <a:ext uri="{A12FA001-AC4F-418D-AE19-62706E023703}">
+                      <ahyp:hlinkClr xmlns:ahyp="http://schemas.microsoft.com/office/drawing/2018/hyperlinkcolor" val="tx"/>
+                    </a:ext>
+                  </a:extLst>
+                </a:hlinkClick>
               </a:rPr>
-              <a:t>https://glitch.com/edit/#!/remix/rulesetexample</a:t>
+              <a:t>https://replit.com/@HylandOutreach/RulesetExample</a:t>
             </a:r>
-            <a:r>
-              <a:rPr lang="en-US" sz="2400" b="1" dirty="0">
-                <a:solidFill>
-                  <a:schemeClr val="bg1"/>
-                </a:solidFill>
-                <a:highlight>
-                  <a:srgbClr val="C0C0C0"/>
-                </a:highlight>
-              </a:rPr>
-              <a:t> </a:t>
-            </a:r>
+            <a:endParaRPr lang="en-US" sz="2400" b="1" dirty="0">
+              <a:solidFill>
+                <a:schemeClr val="bg1"/>
+              </a:solidFill>
+            </a:endParaRPr>
           </a:p>
         </p:txBody>
       </p:sp>

--- a/Week06/CssSelectorsAndProperties.pptx
+++ b/Week06/CssSelectorsAndProperties.pptx
@@ -5,7 +5,7 @@
     <p:sldMasterId id="2147483676" r:id="rId1"/>
   </p:sldMasterIdLst>
   <p:notesMasterIdLst>
-    <p:notesMasterId r:id="rId9"/>
+    <p:notesMasterId r:id="rId10"/>
   </p:notesMasterIdLst>
   <p:sldIdLst>
     <p:sldId id="256" r:id="rId2"/>
@@ -13,39 +13,33 @@
     <p:sldId id="307" r:id="rId4"/>
     <p:sldId id="308" r:id="rId5"/>
     <p:sldId id="310" r:id="rId6"/>
-    <p:sldId id="311" r:id="rId7"/>
-    <p:sldId id="279" r:id="rId8"/>
+    <p:sldId id="312" r:id="rId7"/>
+    <p:sldId id="311" r:id="rId8"/>
+    <p:sldId id="279" r:id="rId9"/>
   </p:sldIdLst>
   <p:sldSz cx="9144000" cy="5143500" type="screen16x9"/>
   <p:notesSz cx="6858000" cy="9144000"/>
   <p:embeddedFontLst>
     <p:embeddedFont>
-      <p:font typeface="Calibri" panose="020F0502020204030204" pitchFamily="34" charset="0"/>
-      <p:regular r:id="rId10"/>
-      <p:bold r:id="rId11"/>
-      <p:italic r:id="rId12"/>
-      <p:boldItalic r:id="rId13"/>
-    </p:embeddedFont>
-    <p:embeddedFont>
       <p:font typeface="Consolas" panose="020B0609020204030204" pitchFamily="49" charset="0"/>
-      <p:regular r:id="rId14"/>
-      <p:bold r:id="rId15"/>
-      <p:italic r:id="rId16"/>
-      <p:boldItalic r:id="rId17"/>
+      <p:regular r:id="rId11"/>
+      <p:bold r:id="rId12"/>
+      <p:italic r:id="rId13"/>
+      <p:boldItalic r:id="rId14"/>
     </p:embeddedFont>
     <p:embeddedFont>
       <p:font typeface="Krona One" panose="020B0604020202020204" charset="0"/>
-      <p:regular r:id="rId18"/>
+      <p:regular r:id="rId15"/>
     </p:embeddedFont>
     <p:embeddedFont>
       <p:font typeface="Miriam Libre" panose="00000500000000000000" pitchFamily="2" charset="-79"/>
-      <p:regular r:id="rId19"/>
-      <p:bold r:id="rId20"/>
+      <p:regular r:id="rId16"/>
+      <p:bold r:id="rId17"/>
     </p:embeddedFont>
     <p:embeddedFont>
       <p:font typeface="Roboto Condensed Light" panose="02000000000000000000" pitchFamily="2" charset="0"/>
-      <p:regular r:id="rId21"/>
-      <p:italic r:id="rId22"/>
+      <p:regular r:id="rId18"/>
+      <p:italic r:id="rId19"/>
     </p:embeddedFont>
   </p:embeddedFontLst>
   <p:defaultTextStyle>
@@ -1383,7 +1377,7 @@
                 <a:tabLst/>
                 <a:defRPr/>
               </a:pPr>
-              <a:t>6</a:t>
+              <a:t>7</a:t>
             </a:fld>
             <a:endParaRPr kumimoji="0" lang="en-US" sz="1200" b="0" i="0" u="none" strike="noStrike" kern="1200" cap="none" spc="0" normalizeH="0" baseline="0" noProof="0">
               <a:ln>
@@ -5544,7 +5538,7 @@
           <a:p>
             <a:fld id="{5958763E-B898-436D-883D-03711491D54A}" type="datetimeFigureOut">
               <a:rPr lang="en-US" smtClean="0"/>
-              <a:t>2/9/2023</a:t>
+              <a:t>7/3/2024</a:t>
             </a:fld>
             <a:endParaRPr lang="en-US"/>
           </a:p>
@@ -11008,13 +11002,13 @@
   <p:clrMapOvr>
     <a:masterClrMapping/>
   </p:clrMapOvr>
-  <mc:AlternateContent xmlns:mc="http://schemas.openxmlformats.org/markup-compatibility/2006">
-    <mc:Choice xmlns:p159="http://schemas.microsoft.com/office/powerpoint/2015/09/main" Requires="p159">
+  <mc:AlternateContent xmlns:mc="http://schemas.openxmlformats.org/markup-compatibility/2006" xmlns:p159="http://schemas.microsoft.com/office/powerpoint/2015/09/main">
+    <mc:Choice Requires="p159">
       <p:transition xmlns:p14="http://schemas.microsoft.com/office/powerpoint/2010/main" spd="slow" p14:dur="2000">
         <p159:morph option="byObject"/>
       </p:transition>
     </mc:Choice>
-    <mc:Fallback>
+    <mc:Fallback xmlns="">
       <p:transition spd="slow">
         <p:fade/>
       </p:transition>
@@ -11904,6 +11898,227 @@
       </p:grpSpPr>
       <p:sp>
         <p:nvSpPr>
+          <p:cNvPr id="2" name="Title 1">
+            <a:extLst>
+              <a:ext uri="{FF2B5EF4-FFF2-40B4-BE49-F238E27FC236}">
+                <a16:creationId xmlns:a16="http://schemas.microsoft.com/office/drawing/2014/main" id="{4A7B5635-CEB4-A07E-A48C-BC161E77E944}"/>
+              </a:ext>
+            </a:extLst>
+          </p:cNvPr>
+          <p:cNvSpPr>
+            <a:spLocks noGrp="1"/>
+          </p:cNvSpPr>
+          <p:nvPr>
+            <p:ph type="title"/>
+          </p:nvPr>
+        </p:nvSpPr>
+        <p:spPr/>
+        <p:txBody>
+          <a:bodyPr/>
+          <a:lstStyle/>
+          <a:p>
+            <a:r>
+              <a:rPr lang="en-US" dirty="0"/>
+              <a:t>CSS Properties</a:t>
+            </a:r>
+          </a:p>
+        </p:txBody>
+      </p:sp>
+      <p:sp>
+        <p:nvSpPr>
+          <p:cNvPr id="3" name="Text Placeholder 2">
+            <a:extLst>
+              <a:ext uri="{FF2B5EF4-FFF2-40B4-BE49-F238E27FC236}">
+                <a16:creationId xmlns:a16="http://schemas.microsoft.com/office/drawing/2014/main" id="{CD8F537C-52FD-901E-1AB2-7721386B0CCF}"/>
+              </a:ext>
+            </a:extLst>
+          </p:cNvPr>
+          <p:cNvSpPr>
+            <a:spLocks noGrp="1"/>
+          </p:cNvSpPr>
+          <p:nvPr>
+            <p:ph type="body" idx="1"/>
+          </p:nvPr>
+        </p:nvSpPr>
+        <p:spPr/>
+        <p:txBody>
+          <a:bodyPr/>
+          <a:lstStyle/>
+          <a:p>
+            <a:endParaRPr lang="en-US" dirty="0"/>
+          </a:p>
+        </p:txBody>
+      </p:sp>
+      <p:pic>
+        <p:nvPicPr>
+          <p:cNvPr id="5" name="Picture 4">
+            <a:extLst>
+              <a:ext uri="{FF2B5EF4-FFF2-40B4-BE49-F238E27FC236}">
+                <a16:creationId xmlns:a16="http://schemas.microsoft.com/office/drawing/2014/main" id="{D2F241FC-C0F1-0122-F158-4E8EC061DF3E}"/>
+              </a:ext>
+            </a:extLst>
+          </p:cNvPr>
+          <p:cNvPicPr>
+            <a:picLocks noChangeAspect="1"/>
+          </p:cNvPicPr>
+          <p:nvPr/>
+        </p:nvPicPr>
+        <p:blipFill>
+          <a:blip r:embed="rId2"/>
+          <a:stretch>
+            <a:fillRect/>
+          </a:stretch>
+        </p:blipFill>
+        <p:spPr>
+          <a:xfrm>
+            <a:off x="553182" y="1351850"/>
+            <a:ext cx="5563376" cy="1600423"/>
+          </a:xfrm>
+          <a:prstGeom prst="rect">
+            <a:avLst/>
+          </a:prstGeom>
+        </p:spPr>
+      </p:pic>
+      <p:pic>
+        <p:nvPicPr>
+          <p:cNvPr id="7" name="Picture 6">
+            <a:extLst>
+              <a:ext uri="{FF2B5EF4-FFF2-40B4-BE49-F238E27FC236}">
+                <a16:creationId xmlns:a16="http://schemas.microsoft.com/office/drawing/2014/main" id="{49A55C37-FE71-043F-752A-DE6198E6508A}"/>
+              </a:ext>
+            </a:extLst>
+          </p:cNvPr>
+          <p:cNvPicPr>
+            <a:picLocks noChangeAspect="1"/>
+          </p:cNvPicPr>
+          <p:nvPr/>
+        </p:nvPicPr>
+        <p:blipFill>
+          <a:blip r:embed="rId3"/>
+          <a:stretch>
+            <a:fillRect/>
+          </a:stretch>
+        </p:blipFill>
+        <p:spPr>
+          <a:xfrm>
+            <a:off x="553182" y="3184878"/>
+            <a:ext cx="2295845" cy="1181265"/>
+          </a:xfrm>
+          <a:prstGeom prst="rect">
+            <a:avLst/>
+          </a:prstGeom>
+        </p:spPr>
+      </p:pic>
+      <p:pic>
+        <p:nvPicPr>
+          <p:cNvPr id="9" name="Picture 8">
+            <a:extLst>
+              <a:ext uri="{FF2B5EF4-FFF2-40B4-BE49-F238E27FC236}">
+                <a16:creationId xmlns:a16="http://schemas.microsoft.com/office/drawing/2014/main" id="{2030F261-7BC1-729A-0847-895EA0A89182}"/>
+              </a:ext>
+            </a:extLst>
+          </p:cNvPr>
+          <p:cNvPicPr>
+            <a:picLocks noChangeAspect="1"/>
+          </p:cNvPicPr>
+          <p:nvPr/>
+        </p:nvPicPr>
+        <p:blipFill rotWithShape="1">
+          <a:blip r:embed="rId4"/>
+          <a:srcRect r="15267"/>
+          <a:stretch/>
+        </p:blipFill>
+        <p:spPr>
+          <a:xfrm>
+            <a:off x="2932436" y="3556405"/>
+            <a:ext cx="5408155" cy="809738"/>
+          </a:xfrm>
+          <a:prstGeom prst="rect">
+            <a:avLst/>
+          </a:prstGeom>
+        </p:spPr>
+      </p:pic>
+      <p:sp>
+        <p:nvSpPr>
+          <p:cNvPr id="10" name="Arrow: Left 9">
+            <a:extLst>
+              <a:ext uri="{FF2B5EF4-FFF2-40B4-BE49-F238E27FC236}">
+                <a16:creationId xmlns:a16="http://schemas.microsoft.com/office/drawing/2014/main" id="{97B8F64B-A0C2-FD06-7697-3ECB471BA7AD}"/>
+              </a:ext>
+            </a:extLst>
+          </p:cNvPr>
+          <p:cNvSpPr/>
+          <p:nvPr/>
+        </p:nvSpPr>
+        <p:spPr>
+          <a:xfrm>
+            <a:off x="5670816" y="1421546"/>
+            <a:ext cx="3027509" cy="796738"/>
+          </a:xfrm>
+          <a:prstGeom prst="leftArrow">
+            <a:avLst/>
+          </a:prstGeom>
+        </p:spPr>
+        <p:style>
+          <a:lnRef idx="2">
+            <a:schemeClr val="accent1">
+              <a:shade val="15000"/>
+            </a:schemeClr>
+          </a:lnRef>
+          <a:fillRef idx="1">
+            <a:schemeClr val="accent1"/>
+          </a:fillRef>
+          <a:effectRef idx="0">
+            <a:schemeClr val="accent1"/>
+          </a:effectRef>
+          <a:fontRef idx="minor">
+            <a:schemeClr val="lt1"/>
+          </a:fontRef>
+        </p:style>
+        <p:txBody>
+          <a:bodyPr rtlCol="0" anchor="ctr"/>
+          <a:lstStyle/>
+          <a:p>
+            <a:pPr algn="ctr"/>
+            <a:r>
+              <a:rPr lang="en-US" dirty="0"/>
+              <a:t>Link to the CSS file</a:t>
+            </a:r>
+          </a:p>
+        </p:txBody>
+      </p:sp>
+    </p:spTree>
+    <p:extLst>
+      <p:ext uri="{BB962C8B-B14F-4D97-AF65-F5344CB8AC3E}">
+        <p14:creationId xmlns:p14="http://schemas.microsoft.com/office/powerpoint/2010/main" val="23464933"/>
+      </p:ext>
+    </p:extLst>
+  </p:cSld>
+  <p:clrMapOvr>
+    <a:masterClrMapping/>
+  </p:clrMapOvr>
+</p:sld>
+</file>
+
+<file path=ppt/slides/slide7.xml><?xml version="1.0" encoding="utf-8"?>
+<p:sld xmlns:a="http://schemas.openxmlformats.org/drawingml/2006/main" xmlns:r="http://schemas.openxmlformats.org/officeDocument/2006/relationships" xmlns:p="http://schemas.openxmlformats.org/presentationml/2006/main">
+  <p:cSld>
+    <p:spTree>
+      <p:nvGrpSpPr>
+        <p:cNvPr id="1" name=""/>
+        <p:cNvGrpSpPr/>
+        <p:nvPr/>
+      </p:nvGrpSpPr>
+      <p:grpSpPr>
+        <a:xfrm>
+          <a:off x="0" y="0"/>
+          <a:ext cx="0" cy="0"/>
+          <a:chOff x="0" y="0"/>
+          <a:chExt cx="0" cy="0"/>
+        </a:xfrm>
+      </p:grpSpPr>
+      <p:sp>
+        <p:nvSpPr>
           <p:cNvPr id="2" name="Title 1"/>
           <p:cNvSpPr>
             <a:spLocks noGrp="1"/>
@@ -11997,7 +12212,7 @@
 </p:sld>
 </file>
 
-<file path=ppt/slides/slide7.xml><?xml version="1.0" encoding="utf-8"?>
+<file path=ppt/slides/slide8.xml><?xml version="1.0" encoding="utf-8"?>
 <p:sld xmlns:a="http://schemas.openxmlformats.org/drawingml/2006/main" xmlns:r="http://schemas.openxmlformats.org/officeDocument/2006/relationships" xmlns:p="http://schemas.openxmlformats.org/presentationml/2006/main">
   <p:cSld>
     <p:spTree>

--- a/Week06/CssSelectorsAndProperties.pptx
+++ b/Week06/CssSelectorsAndProperties.pptx
@@ -5,7 +5,7 @@
     <p:sldMasterId id="2147483676" r:id="rId1"/>
   </p:sldMasterIdLst>
   <p:notesMasterIdLst>
-    <p:notesMasterId r:id="rId9"/>
+    <p:notesMasterId r:id="rId10"/>
   </p:notesMasterIdLst>
   <p:sldIdLst>
     <p:sldId id="256" r:id="rId2"/>
@@ -13,39 +13,33 @@
     <p:sldId id="307" r:id="rId4"/>
     <p:sldId id="308" r:id="rId5"/>
     <p:sldId id="310" r:id="rId6"/>
-    <p:sldId id="311" r:id="rId7"/>
-    <p:sldId id="279" r:id="rId8"/>
+    <p:sldId id="312" r:id="rId7"/>
+    <p:sldId id="311" r:id="rId8"/>
+    <p:sldId id="279" r:id="rId9"/>
   </p:sldIdLst>
   <p:sldSz cx="9144000" cy="5143500" type="screen16x9"/>
   <p:notesSz cx="6858000" cy="9144000"/>
   <p:embeddedFontLst>
     <p:embeddedFont>
-      <p:font typeface="Calibri" panose="020F0502020204030204" pitchFamily="34" charset="0"/>
-      <p:regular r:id="rId10"/>
-      <p:bold r:id="rId11"/>
-      <p:italic r:id="rId12"/>
-      <p:boldItalic r:id="rId13"/>
-    </p:embeddedFont>
-    <p:embeddedFont>
       <p:font typeface="Consolas" panose="020B0609020204030204" pitchFamily="49" charset="0"/>
-      <p:regular r:id="rId14"/>
-      <p:bold r:id="rId15"/>
-      <p:italic r:id="rId16"/>
-      <p:boldItalic r:id="rId17"/>
+      <p:regular r:id="rId11"/>
+      <p:bold r:id="rId12"/>
+      <p:italic r:id="rId13"/>
+      <p:boldItalic r:id="rId14"/>
     </p:embeddedFont>
     <p:embeddedFont>
       <p:font typeface="Krona One" panose="020B0604020202020204" charset="0"/>
-      <p:regular r:id="rId18"/>
+      <p:regular r:id="rId15"/>
     </p:embeddedFont>
     <p:embeddedFont>
       <p:font typeface="Miriam Libre" panose="00000500000000000000" pitchFamily="2" charset="-79"/>
-      <p:regular r:id="rId19"/>
-      <p:bold r:id="rId20"/>
+      <p:regular r:id="rId16"/>
+      <p:bold r:id="rId17"/>
     </p:embeddedFont>
     <p:embeddedFont>
       <p:font typeface="Roboto Condensed Light" panose="02000000000000000000" pitchFamily="2" charset="0"/>
-      <p:regular r:id="rId21"/>
-      <p:italic r:id="rId22"/>
+      <p:regular r:id="rId18"/>
+      <p:italic r:id="rId19"/>
     </p:embeddedFont>
   </p:embeddedFontLst>
   <p:defaultTextStyle>
@@ -1383,7 +1377,7 @@
                 <a:tabLst/>
                 <a:defRPr/>
               </a:pPr>
-              <a:t>6</a:t>
+              <a:t>7</a:t>
             </a:fld>
             <a:endParaRPr kumimoji="0" lang="en-US" sz="1200" b="0" i="0" u="none" strike="noStrike" kern="1200" cap="none" spc="0" normalizeH="0" baseline="0" noProof="0">
               <a:ln>
@@ -5544,7 +5538,7 @@
           <a:p>
             <a:fld id="{5958763E-B898-436D-883D-03711491D54A}" type="datetimeFigureOut">
               <a:rPr lang="en-US" smtClean="0"/>
-              <a:t>2/9/2023</a:t>
+              <a:t>8/21/2024</a:t>
             </a:fld>
             <a:endParaRPr lang="en-US"/>
           </a:p>
@@ -11008,13 +11002,13 @@
   <p:clrMapOvr>
     <a:masterClrMapping/>
   </p:clrMapOvr>
-  <mc:AlternateContent xmlns:mc="http://schemas.openxmlformats.org/markup-compatibility/2006">
-    <mc:Choice xmlns:p159="http://schemas.microsoft.com/office/powerpoint/2015/09/main" Requires="p159">
+  <mc:AlternateContent xmlns:mc="http://schemas.openxmlformats.org/markup-compatibility/2006" xmlns:p159="http://schemas.microsoft.com/office/powerpoint/2015/09/main">
+    <mc:Choice Requires="p159">
       <p:transition xmlns:p14="http://schemas.microsoft.com/office/powerpoint/2010/main" spd="slow" p14:dur="2000">
         <p159:morph option="byObject"/>
       </p:transition>
     </mc:Choice>
-    <mc:Fallback>
+    <mc:Fallback xmlns="">
       <p:transition spd="slow">
         <p:fade/>
       </p:transition>
@@ -11904,6 +11898,227 @@
       </p:grpSpPr>
       <p:sp>
         <p:nvSpPr>
+          <p:cNvPr id="2" name="Title 1">
+            <a:extLst>
+              <a:ext uri="{FF2B5EF4-FFF2-40B4-BE49-F238E27FC236}">
+                <a16:creationId xmlns:a16="http://schemas.microsoft.com/office/drawing/2014/main" id="{4A7B5635-CEB4-A07E-A48C-BC161E77E944}"/>
+              </a:ext>
+            </a:extLst>
+          </p:cNvPr>
+          <p:cNvSpPr>
+            <a:spLocks noGrp="1"/>
+          </p:cNvSpPr>
+          <p:nvPr>
+            <p:ph type="title"/>
+          </p:nvPr>
+        </p:nvSpPr>
+        <p:spPr/>
+        <p:txBody>
+          <a:bodyPr/>
+          <a:lstStyle/>
+          <a:p>
+            <a:r>
+              <a:rPr lang="en-US" dirty="0"/>
+              <a:t>CSS Properties</a:t>
+            </a:r>
+          </a:p>
+        </p:txBody>
+      </p:sp>
+      <p:sp>
+        <p:nvSpPr>
+          <p:cNvPr id="3" name="Text Placeholder 2">
+            <a:extLst>
+              <a:ext uri="{FF2B5EF4-FFF2-40B4-BE49-F238E27FC236}">
+                <a16:creationId xmlns:a16="http://schemas.microsoft.com/office/drawing/2014/main" id="{CD8F537C-52FD-901E-1AB2-7721386B0CCF}"/>
+              </a:ext>
+            </a:extLst>
+          </p:cNvPr>
+          <p:cNvSpPr>
+            <a:spLocks noGrp="1"/>
+          </p:cNvSpPr>
+          <p:nvPr>
+            <p:ph type="body" idx="1"/>
+          </p:nvPr>
+        </p:nvSpPr>
+        <p:spPr/>
+        <p:txBody>
+          <a:bodyPr/>
+          <a:lstStyle/>
+          <a:p>
+            <a:endParaRPr lang="en-US" dirty="0"/>
+          </a:p>
+        </p:txBody>
+      </p:sp>
+      <p:pic>
+        <p:nvPicPr>
+          <p:cNvPr id="5" name="Picture 4">
+            <a:extLst>
+              <a:ext uri="{FF2B5EF4-FFF2-40B4-BE49-F238E27FC236}">
+                <a16:creationId xmlns:a16="http://schemas.microsoft.com/office/drawing/2014/main" id="{D2F241FC-C0F1-0122-F158-4E8EC061DF3E}"/>
+              </a:ext>
+            </a:extLst>
+          </p:cNvPr>
+          <p:cNvPicPr>
+            <a:picLocks noChangeAspect="1"/>
+          </p:cNvPicPr>
+          <p:nvPr/>
+        </p:nvPicPr>
+        <p:blipFill>
+          <a:blip r:embed="rId2"/>
+          <a:stretch>
+            <a:fillRect/>
+          </a:stretch>
+        </p:blipFill>
+        <p:spPr>
+          <a:xfrm>
+            <a:off x="553182" y="1351850"/>
+            <a:ext cx="5563376" cy="1600423"/>
+          </a:xfrm>
+          <a:prstGeom prst="rect">
+            <a:avLst/>
+          </a:prstGeom>
+        </p:spPr>
+      </p:pic>
+      <p:pic>
+        <p:nvPicPr>
+          <p:cNvPr id="7" name="Picture 6">
+            <a:extLst>
+              <a:ext uri="{FF2B5EF4-FFF2-40B4-BE49-F238E27FC236}">
+                <a16:creationId xmlns:a16="http://schemas.microsoft.com/office/drawing/2014/main" id="{49A55C37-FE71-043F-752A-DE6198E6508A}"/>
+              </a:ext>
+            </a:extLst>
+          </p:cNvPr>
+          <p:cNvPicPr>
+            <a:picLocks noChangeAspect="1"/>
+          </p:cNvPicPr>
+          <p:nvPr/>
+        </p:nvPicPr>
+        <p:blipFill>
+          <a:blip r:embed="rId3"/>
+          <a:stretch>
+            <a:fillRect/>
+          </a:stretch>
+        </p:blipFill>
+        <p:spPr>
+          <a:xfrm>
+            <a:off x="553182" y="3184878"/>
+            <a:ext cx="2295845" cy="1181265"/>
+          </a:xfrm>
+          <a:prstGeom prst="rect">
+            <a:avLst/>
+          </a:prstGeom>
+        </p:spPr>
+      </p:pic>
+      <p:pic>
+        <p:nvPicPr>
+          <p:cNvPr id="9" name="Picture 8">
+            <a:extLst>
+              <a:ext uri="{FF2B5EF4-FFF2-40B4-BE49-F238E27FC236}">
+                <a16:creationId xmlns:a16="http://schemas.microsoft.com/office/drawing/2014/main" id="{2030F261-7BC1-729A-0847-895EA0A89182}"/>
+              </a:ext>
+            </a:extLst>
+          </p:cNvPr>
+          <p:cNvPicPr>
+            <a:picLocks noChangeAspect="1"/>
+          </p:cNvPicPr>
+          <p:nvPr/>
+        </p:nvPicPr>
+        <p:blipFill rotWithShape="1">
+          <a:blip r:embed="rId4"/>
+          <a:srcRect r="15267"/>
+          <a:stretch/>
+        </p:blipFill>
+        <p:spPr>
+          <a:xfrm>
+            <a:off x="2932436" y="3556405"/>
+            <a:ext cx="5408155" cy="809738"/>
+          </a:xfrm>
+          <a:prstGeom prst="rect">
+            <a:avLst/>
+          </a:prstGeom>
+        </p:spPr>
+      </p:pic>
+      <p:sp>
+        <p:nvSpPr>
+          <p:cNvPr id="10" name="Arrow: Left 9">
+            <a:extLst>
+              <a:ext uri="{FF2B5EF4-FFF2-40B4-BE49-F238E27FC236}">
+                <a16:creationId xmlns:a16="http://schemas.microsoft.com/office/drawing/2014/main" id="{97B8F64B-A0C2-FD06-7697-3ECB471BA7AD}"/>
+              </a:ext>
+            </a:extLst>
+          </p:cNvPr>
+          <p:cNvSpPr/>
+          <p:nvPr/>
+        </p:nvSpPr>
+        <p:spPr>
+          <a:xfrm>
+            <a:off x="5670816" y="1421546"/>
+            <a:ext cx="3027509" cy="796738"/>
+          </a:xfrm>
+          <a:prstGeom prst="leftArrow">
+            <a:avLst/>
+          </a:prstGeom>
+        </p:spPr>
+        <p:style>
+          <a:lnRef idx="2">
+            <a:schemeClr val="accent1">
+              <a:shade val="15000"/>
+            </a:schemeClr>
+          </a:lnRef>
+          <a:fillRef idx="1">
+            <a:schemeClr val="accent1"/>
+          </a:fillRef>
+          <a:effectRef idx="0">
+            <a:schemeClr val="accent1"/>
+          </a:effectRef>
+          <a:fontRef idx="minor">
+            <a:schemeClr val="lt1"/>
+          </a:fontRef>
+        </p:style>
+        <p:txBody>
+          <a:bodyPr rtlCol="0" anchor="ctr"/>
+          <a:lstStyle/>
+          <a:p>
+            <a:pPr algn="ctr"/>
+            <a:r>
+              <a:rPr lang="en-US" dirty="0"/>
+              <a:t>Link to the CSS file</a:t>
+            </a:r>
+          </a:p>
+        </p:txBody>
+      </p:sp>
+    </p:spTree>
+    <p:extLst>
+      <p:ext uri="{BB962C8B-B14F-4D97-AF65-F5344CB8AC3E}">
+        <p14:creationId xmlns:p14="http://schemas.microsoft.com/office/powerpoint/2010/main" val="23464933"/>
+      </p:ext>
+    </p:extLst>
+  </p:cSld>
+  <p:clrMapOvr>
+    <a:masterClrMapping/>
+  </p:clrMapOvr>
+</p:sld>
+</file>
+
+<file path=ppt/slides/slide7.xml><?xml version="1.0" encoding="utf-8"?>
+<p:sld xmlns:a="http://schemas.openxmlformats.org/drawingml/2006/main" xmlns:r="http://schemas.openxmlformats.org/officeDocument/2006/relationships" xmlns:p="http://schemas.openxmlformats.org/presentationml/2006/main">
+  <p:cSld>
+    <p:spTree>
+      <p:nvGrpSpPr>
+        <p:cNvPr id="1" name=""/>
+        <p:cNvGrpSpPr/>
+        <p:nvPr/>
+      </p:nvGrpSpPr>
+      <p:grpSpPr>
+        <a:xfrm>
+          <a:off x="0" y="0"/>
+          <a:ext cx="0" cy="0"/>
+          <a:chOff x="0" y="0"/>
+          <a:chExt cx="0" cy="0"/>
+        </a:xfrm>
+      </p:grpSpPr>
+      <p:sp>
+        <p:nvSpPr>
           <p:cNvPr id="2" name="Title 1"/>
           <p:cNvSpPr>
             <a:spLocks noGrp="1"/>
@@ -11997,7 +12212,7 @@
 </p:sld>
 </file>
 
-<file path=ppt/slides/slide7.xml><?xml version="1.0" encoding="utf-8"?>
+<file path=ppt/slides/slide8.xml><?xml version="1.0" encoding="utf-8"?>
 <p:sld xmlns:a="http://schemas.openxmlformats.org/drawingml/2006/main" xmlns:r="http://schemas.openxmlformats.org/officeDocument/2006/relationships" xmlns:p="http://schemas.openxmlformats.org/presentationml/2006/main">
   <p:cSld>
     <p:spTree>

--- a/Week06/CssSelectorsAndProperties.pptx
+++ b/Week06/CssSelectorsAndProperties.pptx
@@ -5538,7 +5538,7 @@
           <a:p>
             <a:fld id="{5958763E-B898-436D-883D-03711491D54A}" type="datetimeFigureOut">
               <a:rPr lang="en-US" smtClean="0"/>
-              <a:t>8/21/2024</a:t>
+              <a:t>9/4/2024</a:t>
             </a:fld>
             <a:endParaRPr lang="en-US"/>
           </a:p>
@@ -12186,13 +12186,48 @@
                   </a:extLst>
                 </a:hlinkClick>
               </a:rPr>
-              <a:t>https://replit.com/@HylandOutreach/RulesetExample</a:t>
+              <a:t>https://jsfiddle.net/6bhvk7aL/</a:t>
             </a:r>
             <a:endParaRPr lang="en-US" sz="2400" b="1" dirty="0">
               <a:solidFill>
                 <a:schemeClr val="bg1"/>
               </a:solidFill>
             </a:endParaRPr>
+          </a:p>
+          <a:p>
+            <a:pPr marL="42863" indent="0" algn="ctr">
+              <a:buNone/>
+            </a:pPr>
+            <a:r>
+              <a:rPr lang="en-US" sz="1800" b="1" i="1" dirty="0">
+                <a:solidFill>
+                  <a:schemeClr val="bg1">
+                    <a:lumMod val="95000"/>
+                  </a:schemeClr>
+                </a:solidFill>
+              </a:rPr>
+              <a:t>Note: </a:t>
+            </a:r>
+            <a:r>
+              <a:rPr lang="en-US" sz="1800" b="1" i="1" dirty="0" err="1">
+                <a:solidFill>
+                  <a:schemeClr val="bg1">
+                    <a:lumMod val="95000"/>
+                  </a:schemeClr>
+                </a:solidFill>
+              </a:rPr>
+              <a:t>jsfiddle</a:t>
+            </a:r>
+            <a:r>
+              <a:rPr lang="en-US" sz="1800" b="1" i="1" dirty="0">
+                <a:solidFill>
+                  <a:schemeClr val="bg1">
+                    <a:lumMod val="95000"/>
+                  </a:schemeClr>
+                </a:solidFill>
+              </a:rPr>
+              <a:t> auto-links CSS</a:t>
+            </a:r>
           </a:p>
         </p:txBody>
       </p:sp>
